--- a/Cours/BUT3-Cours2.pptx
+++ b/Cours/BUT3-Cours2.pptx
@@ -175,6 +175,30 @@
 <file path=ppt/changesInfos/changesInfo1.xml><?xml version="1.0" encoding="utf-8"?>
 <pc:chgInfo xmlns:a="http://schemas.openxmlformats.org/drawingml/2006/main" xmlns:r="http://schemas.openxmlformats.org/officeDocument/2006/relationships" xmlns:ac="http://schemas.microsoft.com/office/drawing/2013/main/command" xmlns:pc="http://schemas.microsoft.com/office/powerpoint/2013/main/command">
   <pc:docChgLst>
+    <pc:chgData name="Benjamin Robert" userId="bdf697ffd98a8826" providerId="LiveId" clId="{E651367B-8E57-43F2-B629-B9D3A634995C}"/>
+    <pc:docChg chg="modSld">
+      <pc:chgData name="Benjamin Robert" userId="bdf697ffd98a8826" providerId="LiveId" clId="{E651367B-8E57-43F2-B629-B9D3A634995C}" dt="2025-11-06T17:02:59.446" v="1" actId="20577"/>
+      <pc:docMkLst>
+        <pc:docMk/>
+      </pc:docMkLst>
+      <pc:sldChg chg="modSp mod">
+        <pc:chgData name="Benjamin Robert" userId="bdf697ffd98a8826" providerId="LiveId" clId="{E651367B-8E57-43F2-B629-B9D3A634995C}" dt="2025-11-06T17:02:59.446" v="1" actId="20577"/>
+        <pc:sldMkLst>
+          <pc:docMk/>
+          <pc:sldMk cId="102400149" sldId="285"/>
+        </pc:sldMkLst>
+        <pc:spChg chg="mod">
+          <ac:chgData name="Benjamin Robert" userId="bdf697ffd98a8826" providerId="LiveId" clId="{E651367B-8E57-43F2-B629-B9D3A634995C}" dt="2025-11-06T17:02:59.446" v="1" actId="20577"/>
+          <ac:spMkLst>
+            <pc:docMk/>
+            <pc:sldMk cId="102400149" sldId="285"/>
+            <ac:spMk id="3" creationId="{4492CAFD-055C-71C9-49E6-B601EDC86D9E}"/>
+          </ac:spMkLst>
+        </pc:spChg>
+      </pc:sldChg>
+    </pc:docChg>
+  </pc:docChgLst>
+  <pc:docChgLst>
     <pc:chgData name="Benjamin Robert" userId="bdf697ffd98a8826" providerId="LiveId" clId="{F9B987AF-30B6-492A-8DDE-7756DD1863D2}"/>
     <pc:docChg chg="undo custSel addSld modSld">
       <pc:chgData name="Benjamin Robert" userId="bdf697ffd98a8826" providerId="LiveId" clId="{F9B987AF-30B6-492A-8DDE-7756DD1863D2}" dt="2023-11-15T07:47:27.418" v="530" actId="478"/>
@@ -187,22 +211,6 @@
           <pc:docMk/>
           <pc:sldMk cId="3306729575" sldId="267"/>
         </pc:sldMkLst>
-        <pc:spChg chg="mod">
-          <ac:chgData name="Benjamin Robert" userId="bdf697ffd98a8826" providerId="LiveId" clId="{F9B987AF-30B6-492A-8DDE-7756DD1863D2}" dt="2023-11-12T11:36:18.473" v="412" actId="20577"/>
-          <ac:spMkLst>
-            <pc:docMk/>
-            <pc:sldMk cId="3306729575" sldId="267"/>
-            <ac:spMk id="11" creationId="{B521DF78-6081-461E-D188-44B011A9DC62}"/>
-          </ac:spMkLst>
-        </pc:spChg>
-        <pc:spChg chg="mod">
-          <ac:chgData name="Benjamin Robert" userId="bdf697ffd98a8826" providerId="LiveId" clId="{F9B987AF-30B6-492A-8DDE-7756DD1863D2}" dt="2023-11-12T11:41:51.410" v="495" actId="20577"/>
-          <ac:spMkLst>
-            <pc:docMk/>
-            <pc:sldMk cId="3306729575" sldId="267"/>
-            <ac:spMk id="25" creationId="{A2F1E243-3F00-9815-E6ED-D161699F4FE7}"/>
-          </ac:spMkLst>
-        </pc:spChg>
       </pc:sldChg>
       <pc:sldChg chg="addSp delSp modSp mod">
         <pc:chgData name="Benjamin Robert" userId="bdf697ffd98a8826" providerId="LiveId" clId="{F9B987AF-30B6-492A-8DDE-7756DD1863D2}" dt="2023-11-12T11:14:29.130" v="77" actId="207"/>
@@ -210,94 +218,6 @@
           <pc:docMk/>
           <pc:sldMk cId="2793421511" sldId="279"/>
         </pc:sldMkLst>
-        <pc:spChg chg="mod">
-          <ac:chgData name="Benjamin Robert" userId="bdf697ffd98a8826" providerId="LiveId" clId="{F9B987AF-30B6-492A-8DDE-7756DD1863D2}" dt="2023-11-12T11:10:46.142" v="24" actId="1076"/>
-          <ac:spMkLst>
-            <pc:docMk/>
-            <pc:sldMk cId="2793421511" sldId="279"/>
-            <ac:spMk id="4" creationId="{E32F199F-F63A-65D9-6382-DDD09BC8D151}"/>
-          </ac:spMkLst>
-        </pc:spChg>
-        <pc:spChg chg="mod">
-          <ac:chgData name="Benjamin Robert" userId="bdf697ffd98a8826" providerId="LiveId" clId="{F9B987AF-30B6-492A-8DDE-7756DD1863D2}" dt="2023-11-12T11:14:24.781" v="76" actId="207"/>
-          <ac:spMkLst>
-            <pc:docMk/>
-            <pc:sldMk cId="2793421511" sldId="279"/>
-            <ac:spMk id="7" creationId="{062EFEDA-29BD-0B68-FDEF-778F65BF7248}"/>
-          </ac:spMkLst>
-        </pc:spChg>
-        <pc:spChg chg="mod">
-          <ac:chgData name="Benjamin Robert" userId="bdf697ffd98a8826" providerId="LiveId" clId="{F9B987AF-30B6-492A-8DDE-7756DD1863D2}" dt="2023-11-12T11:14:29.130" v="77" actId="207"/>
-          <ac:spMkLst>
-            <pc:docMk/>
-            <pc:sldMk cId="2793421511" sldId="279"/>
-            <ac:spMk id="16" creationId="{2D209369-8A0C-8FC0-88B6-CCC1B77A8DDF}"/>
-          </ac:spMkLst>
-        </pc:spChg>
-        <pc:picChg chg="add mod">
-          <ac:chgData name="Benjamin Robert" userId="bdf697ffd98a8826" providerId="LiveId" clId="{F9B987AF-30B6-492A-8DDE-7756DD1863D2}" dt="2023-11-12T11:14:19.018" v="75" actId="207"/>
-          <ac:picMkLst>
-            <pc:docMk/>
-            <pc:sldMk cId="2793421511" sldId="279"/>
-            <ac:picMk id="17" creationId="{A6CD02FB-3001-14DE-C0D8-CB1EA41129B1}"/>
-          </ac:picMkLst>
-        </pc:picChg>
-        <pc:cxnChg chg="mod">
-          <ac:chgData name="Benjamin Robert" userId="bdf697ffd98a8826" providerId="LiveId" clId="{F9B987AF-30B6-492A-8DDE-7756DD1863D2}" dt="2023-11-12T11:10:46.142" v="24" actId="1076"/>
-          <ac:cxnSpMkLst>
-            <pc:docMk/>
-            <pc:sldMk cId="2793421511" sldId="279"/>
-            <ac:cxnSpMk id="3" creationId="{BCD3EA32-42BB-E00D-2053-5496FC98DC21}"/>
-          </ac:cxnSpMkLst>
-        </pc:cxnChg>
-        <pc:cxnChg chg="mod">
-          <ac:chgData name="Benjamin Robert" userId="bdf697ffd98a8826" providerId="LiveId" clId="{F9B987AF-30B6-492A-8DDE-7756DD1863D2}" dt="2023-11-12T11:13:56.200" v="71" actId="208"/>
-          <ac:cxnSpMkLst>
-            <pc:docMk/>
-            <pc:sldMk cId="2793421511" sldId="279"/>
-            <ac:cxnSpMk id="6" creationId="{FD90DDFB-B757-A56D-B7B3-67EBE377C854}"/>
-          </ac:cxnSpMkLst>
-        </pc:cxnChg>
-        <pc:cxnChg chg="mod">
-          <ac:chgData name="Benjamin Robert" userId="bdf697ffd98a8826" providerId="LiveId" clId="{F9B987AF-30B6-492A-8DDE-7756DD1863D2}" dt="2023-11-12T11:13:59.906" v="72" actId="208"/>
-          <ac:cxnSpMkLst>
-            <pc:docMk/>
-            <pc:sldMk cId="2793421511" sldId="279"/>
-            <ac:cxnSpMk id="8" creationId="{270C5ADE-807B-C571-E57E-83599448FB38}"/>
-          </ac:cxnSpMkLst>
-        </pc:cxnChg>
-        <pc:cxnChg chg="mod">
-          <ac:chgData name="Benjamin Robert" userId="bdf697ffd98a8826" providerId="LiveId" clId="{F9B987AF-30B6-492A-8DDE-7756DD1863D2}" dt="2023-11-12T11:10:46.142" v="24" actId="1076"/>
-          <ac:cxnSpMkLst>
-            <pc:docMk/>
-            <pc:sldMk cId="2793421511" sldId="279"/>
-            <ac:cxnSpMk id="9" creationId="{1A778084-3012-1C83-57E9-9DFA2717AE72}"/>
-          </ac:cxnSpMkLst>
-        </pc:cxnChg>
-        <pc:cxnChg chg="add mod">
-          <ac:chgData name="Benjamin Robert" userId="bdf697ffd98a8826" providerId="LiveId" clId="{F9B987AF-30B6-492A-8DDE-7756DD1863D2}" dt="2023-11-12T11:14:12.845" v="73" actId="208"/>
-          <ac:cxnSpMkLst>
-            <pc:docMk/>
-            <pc:sldMk cId="2793421511" sldId="279"/>
-            <ac:cxnSpMk id="19" creationId="{394D6939-4527-E73F-8C54-0341E8639525}"/>
-          </ac:cxnSpMkLst>
-        </pc:cxnChg>
-        <pc:cxnChg chg="add del mod">
-          <ac:chgData name="Benjamin Robert" userId="bdf697ffd98a8826" providerId="LiveId" clId="{F9B987AF-30B6-492A-8DDE-7756DD1863D2}" dt="2023-11-12T11:09:51.010" v="13" actId="478"/>
-          <ac:cxnSpMkLst>
-            <pc:docMk/>
-            <pc:sldMk cId="2793421511" sldId="279"/>
-            <ac:cxnSpMk id="20" creationId="{5D965905-50C2-0EEB-871F-DA62A2C3C610}"/>
-          </ac:cxnSpMkLst>
-        </pc:cxnChg>
-        <pc:cxnChg chg="add mod">
-          <ac:chgData name="Benjamin Robert" userId="bdf697ffd98a8826" providerId="LiveId" clId="{F9B987AF-30B6-492A-8DDE-7756DD1863D2}" dt="2023-11-12T11:14:12.845" v="73" actId="208"/>
-          <ac:cxnSpMkLst>
-            <pc:docMk/>
-            <pc:sldMk cId="2793421511" sldId="279"/>
-            <ac:cxnSpMk id="23" creationId="{D8845BEB-C0A0-7677-AD18-8F9B6880FDF2}"/>
-          </ac:cxnSpMkLst>
-        </pc:cxnChg>
       </pc:sldChg>
       <pc:sldChg chg="addSp delSp modSp add mod">
         <pc:chgData name="Benjamin Robert" userId="bdf697ffd98a8826" providerId="LiveId" clId="{F9B987AF-30B6-492A-8DDE-7756DD1863D2}" dt="2023-11-12T11:16:28.712" v="93" actId="20577"/>
@@ -305,110 +225,6 @@
           <pc:docMk/>
           <pc:sldMk cId="319150255" sldId="280"/>
         </pc:sldMkLst>
-        <pc:spChg chg="mod">
-          <ac:chgData name="Benjamin Robert" userId="bdf697ffd98a8826" providerId="LiveId" clId="{F9B987AF-30B6-492A-8DDE-7756DD1863D2}" dt="2023-11-12T11:13:01.220" v="64" actId="207"/>
-          <ac:spMkLst>
-            <pc:docMk/>
-            <pc:sldMk cId="319150255" sldId="280"/>
-            <ac:spMk id="7" creationId="{062EFEDA-29BD-0B68-FDEF-778F65BF7248}"/>
-          </ac:spMkLst>
-        </pc:spChg>
-        <pc:spChg chg="mod">
-          <ac:chgData name="Benjamin Robert" userId="bdf697ffd98a8826" providerId="LiveId" clId="{F9B987AF-30B6-492A-8DDE-7756DD1863D2}" dt="2023-11-12T11:14:36.976" v="78" actId="207"/>
-          <ac:spMkLst>
-            <pc:docMk/>
-            <pc:sldMk cId="319150255" sldId="280"/>
-            <ac:spMk id="16" creationId="{2D209369-8A0C-8FC0-88B6-CCC1B77A8DDF}"/>
-          </ac:spMkLst>
-        </pc:spChg>
-        <pc:spChg chg="add mod">
-          <ac:chgData name="Benjamin Robert" userId="bdf697ffd98a8826" providerId="LiveId" clId="{F9B987AF-30B6-492A-8DDE-7756DD1863D2}" dt="2023-11-12T11:14:44.267" v="79" actId="207"/>
-          <ac:spMkLst>
-            <pc:docMk/>
-            <pc:sldMk cId="319150255" sldId="280"/>
-            <ac:spMk id="24" creationId="{197E14E8-3AF3-A0E5-9EAB-D0747F27CE51}"/>
-          </ac:spMkLst>
-        </pc:spChg>
-        <pc:spChg chg="add mod">
-          <ac:chgData name="Benjamin Robert" userId="bdf697ffd98a8826" providerId="LiveId" clId="{F9B987AF-30B6-492A-8DDE-7756DD1863D2}" dt="2023-11-12T11:15:06.965" v="84" actId="1076"/>
-          <ac:spMkLst>
-            <pc:docMk/>
-            <pc:sldMk cId="319150255" sldId="280"/>
-            <ac:spMk id="25" creationId="{0BCFCF84-444C-C7D0-1E69-EAD0C2B35E1D}"/>
-          </ac:spMkLst>
-        </pc:spChg>
-        <pc:spChg chg="add mod">
-          <ac:chgData name="Benjamin Robert" userId="bdf697ffd98a8826" providerId="LiveId" clId="{F9B987AF-30B6-492A-8DDE-7756DD1863D2}" dt="2023-11-12T11:16:28.712" v="93" actId="20577"/>
-          <ac:spMkLst>
-            <pc:docMk/>
-            <pc:sldMk cId="319150255" sldId="280"/>
-            <ac:spMk id="27" creationId="{2C70DFBD-9FDB-2FAF-9DE8-680DED429B46}"/>
-          </ac:spMkLst>
-        </pc:spChg>
-        <pc:picChg chg="del">
-          <ac:chgData name="Benjamin Robert" userId="bdf697ffd98a8826" providerId="LiveId" clId="{F9B987AF-30B6-492A-8DDE-7756DD1863D2}" dt="2023-11-12T11:11:01.754" v="26" actId="478"/>
-          <ac:picMkLst>
-            <pc:docMk/>
-            <pc:sldMk cId="319150255" sldId="280"/>
-            <ac:picMk id="17" creationId="{A6CD02FB-3001-14DE-C0D8-CB1EA41129B1}"/>
-          </ac:picMkLst>
-        </pc:picChg>
-        <pc:cxnChg chg="mod">
-          <ac:chgData name="Benjamin Robert" userId="bdf697ffd98a8826" providerId="LiveId" clId="{F9B987AF-30B6-492A-8DDE-7756DD1863D2}" dt="2023-11-12T11:12:43.564" v="60" actId="208"/>
-          <ac:cxnSpMkLst>
-            <pc:docMk/>
-            <pc:sldMk cId="319150255" sldId="280"/>
-            <ac:cxnSpMk id="6" creationId="{FD90DDFB-B757-A56D-B7B3-67EBE377C854}"/>
-          </ac:cxnSpMkLst>
-        </pc:cxnChg>
-        <pc:cxnChg chg="mod">
-          <ac:chgData name="Benjamin Robert" userId="bdf697ffd98a8826" providerId="LiveId" clId="{F9B987AF-30B6-492A-8DDE-7756DD1863D2}" dt="2023-11-12T11:13:41.202" v="70" actId="208"/>
-          <ac:cxnSpMkLst>
-            <pc:docMk/>
-            <pc:sldMk cId="319150255" sldId="280"/>
-            <ac:cxnSpMk id="8" creationId="{270C5ADE-807B-C571-E57E-83599448FB38}"/>
-          </ac:cxnSpMkLst>
-        </pc:cxnChg>
-        <pc:cxnChg chg="mod">
-          <ac:chgData name="Benjamin Robert" userId="bdf697ffd98a8826" providerId="LiveId" clId="{F9B987AF-30B6-492A-8DDE-7756DD1863D2}" dt="2023-11-12T11:11:46.369" v="38" actId="14100"/>
-          <ac:cxnSpMkLst>
-            <pc:docMk/>
-            <pc:sldMk cId="319150255" sldId="280"/>
-            <ac:cxnSpMk id="9" creationId="{1A778084-3012-1C83-57E9-9DFA2717AE72}"/>
-          </ac:cxnSpMkLst>
-        </pc:cxnChg>
-        <pc:cxnChg chg="add mod">
-          <ac:chgData name="Benjamin Robert" userId="bdf697ffd98a8826" providerId="LiveId" clId="{F9B987AF-30B6-492A-8DDE-7756DD1863D2}" dt="2023-11-12T11:12:48.607" v="61" actId="208"/>
-          <ac:cxnSpMkLst>
-            <pc:docMk/>
-            <pc:sldMk cId="319150255" sldId="280"/>
-            <ac:cxnSpMk id="10" creationId="{E79D6563-34F5-6CCE-9405-DBEA9FCF1426}"/>
-          </ac:cxnSpMkLst>
-        </pc:cxnChg>
-        <pc:cxnChg chg="del">
-          <ac:chgData name="Benjamin Robert" userId="bdf697ffd98a8826" providerId="LiveId" clId="{F9B987AF-30B6-492A-8DDE-7756DD1863D2}" dt="2023-11-12T11:11:01.754" v="26" actId="478"/>
-          <ac:cxnSpMkLst>
-            <pc:docMk/>
-            <pc:sldMk cId="319150255" sldId="280"/>
-            <ac:cxnSpMk id="19" creationId="{394D6939-4527-E73F-8C54-0341E8639525}"/>
-          </ac:cxnSpMkLst>
-        </pc:cxnChg>
-        <pc:cxnChg chg="add mod">
-          <ac:chgData name="Benjamin Robert" userId="bdf697ffd98a8826" providerId="LiveId" clId="{F9B987AF-30B6-492A-8DDE-7756DD1863D2}" dt="2023-11-12T11:13:38.132" v="69" actId="208"/>
-          <ac:cxnSpMkLst>
-            <pc:docMk/>
-            <pc:sldMk cId="319150255" sldId="280"/>
-            <ac:cxnSpMk id="20" creationId="{D87A0CBA-FBC9-24AA-C2FE-F6C6F231392C}"/>
-          </ac:cxnSpMkLst>
-        </pc:cxnChg>
-        <pc:cxnChg chg="del mod">
-          <ac:chgData name="Benjamin Robert" userId="bdf697ffd98a8826" providerId="LiveId" clId="{F9B987AF-30B6-492A-8DDE-7756DD1863D2}" dt="2023-11-12T11:11:01.754" v="26" actId="478"/>
-          <ac:cxnSpMkLst>
-            <pc:docMk/>
-            <pc:sldMk cId="319150255" sldId="280"/>
-            <ac:cxnSpMk id="23" creationId="{D8845BEB-C0A0-7677-AD18-8F9B6880FDF2}"/>
-          </ac:cxnSpMkLst>
-        </pc:cxnChg>
       </pc:sldChg>
       <pc:sldChg chg="addSp delSp modSp add mod">
         <pc:chgData name="Benjamin Robert" userId="bdf697ffd98a8826" providerId="LiveId" clId="{F9B987AF-30B6-492A-8DDE-7756DD1863D2}" dt="2023-11-12T11:36:29.913" v="435" actId="20577"/>
@@ -416,158 +232,6 @@
           <pc:docMk/>
           <pc:sldMk cId="2707278008" sldId="281"/>
         </pc:sldMkLst>
-        <pc:spChg chg="add mod">
-          <ac:chgData name="Benjamin Robert" userId="bdf697ffd98a8826" providerId="LiveId" clId="{F9B987AF-30B6-492A-8DDE-7756DD1863D2}" dt="2023-11-12T11:36:29.913" v="435" actId="20577"/>
-          <ac:spMkLst>
-            <pc:docMk/>
-            <pc:sldMk cId="2707278008" sldId="281"/>
-            <ac:spMk id="2" creationId="{97A4D32F-809E-787F-5547-469406039622}"/>
-          </ac:spMkLst>
-        </pc:spChg>
-        <pc:spChg chg="del">
-          <ac:chgData name="Benjamin Robert" userId="bdf697ffd98a8826" providerId="LiveId" clId="{F9B987AF-30B6-492A-8DDE-7756DD1863D2}" dt="2023-11-12T11:23:38.216" v="142" actId="478"/>
-          <ac:spMkLst>
-            <pc:docMk/>
-            <pc:sldMk cId="2707278008" sldId="281"/>
-            <ac:spMk id="4" creationId="{E32F199F-F63A-65D9-6382-DDD09BC8D151}"/>
-          </ac:spMkLst>
-        </pc:spChg>
-        <pc:spChg chg="del mod">
-          <ac:chgData name="Benjamin Robert" userId="bdf697ffd98a8826" providerId="LiveId" clId="{F9B987AF-30B6-492A-8DDE-7756DD1863D2}" dt="2023-11-12T11:33:20.546" v="351" actId="21"/>
-          <ac:spMkLst>
-            <pc:docMk/>
-            <pc:sldMk cId="2707278008" sldId="281"/>
-            <ac:spMk id="5" creationId="{A4CF6579-6522-2E9D-6332-10959F673843}"/>
-          </ac:spMkLst>
-        </pc:spChg>
-        <pc:spChg chg="del">
-          <ac:chgData name="Benjamin Robert" userId="bdf697ffd98a8826" providerId="LiveId" clId="{F9B987AF-30B6-492A-8DDE-7756DD1863D2}" dt="2023-11-12T11:23:38.216" v="142" actId="478"/>
-          <ac:spMkLst>
-            <pc:docMk/>
-            <pc:sldMk cId="2707278008" sldId="281"/>
-            <ac:spMk id="7" creationId="{062EFEDA-29BD-0B68-FDEF-778F65BF7248}"/>
-          </ac:spMkLst>
-        </pc:spChg>
-        <pc:spChg chg="add del mod">
-          <ac:chgData name="Benjamin Robert" userId="bdf697ffd98a8826" providerId="LiveId" clId="{F9B987AF-30B6-492A-8DDE-7756DD1863D2}" dt="2023-11-12T11:33:09.002" v="347" actId="478"/>
-          <ac:spMkLst>
-            <pc:docMk/>
-            <pc:sldMk cId="2707278008" sldId="281"/>
-            <ac:spMk id="11" creationId="{058175E2-05E0-9FDF-B200-117D9DD78F06}"/>
-          </ac:spMkLst>
-        </pc:spChg>
-        <pc:spChg chg="add del mod">
-          <ac:chgData name="Benjamin Robert" userId="bdf697ffd98a8826" providerId="LiveId" clId="{F9B987AF-30B6-492A-8DDE-7756DD1863D2}" dt="2023-11-12T11:33:07.281" v="346" actId="478"/>
-          <ac:spMkLst>
-            <pc:docMk/>
-            <pc:sldMk cId="2707278008" sldId="281"/>
-            <ac:spMk id="12" creationId="{69357739-6D16-6506-8966-9E005B35E030}"/>
-          </ac:spMkLst>
-        </pc:spChg>
-        <pc:spChg chg="add del mod">
-          <ac:chgData name="Benjamin Robert" userId="bdf697ffd98a8826" providerId="LiveId" clId="{F9B987AF-30B6-492A-8DDE-7756DD1863D2}" dt="2023-11-12T11:33:22.526" v="352"/>
-          <ac:spMkLst>
-            <pc:docMk/>
-            <pc:sldMk cId="2707278008" sldId="281"/>
-            <ac:spMk id="14" creationId="{D78DCE33-02DE-1A98-60D9-3316280E357D}"/>
-          </ac:spMkLst>
-        </pc:spChg>
-        <pc:spChg chg="add mod">
-          <ac:chgData name="Benjamin Robert" userId="bdf697ffd98a8826" providerId="LiveId" clId="{F9B987AF-30B6-492A-8DDE-7756DD1863D2}" dt="2023-11-12T11:33:22.526" v="352"/>
-          <ac:spMkLst>
-            <pc:docMk/>
-            <pc:sldMk cId="2707278008" sldId="281"/>
-            <ac:spMk id="15" creationId="{667BDBB6-1B49-ED35-BE29-06D48C5DAA5E}"/>
-          </ac:spMkLst>
-        </pc:spChg>
-        <pc:spChg chg="del">
-          <ac:chgData name="Benjamin Robert" userId="bdf697ffd98a8826" providerId="LiveId" clId="{F9B987AF-30B6-492A-8DDE-7756DD1863D2}" dt="2023-11-12T11:23:38.216" v="142" actId="478"/>
-          <ac:spMkLst>
-            <pc:docMk/>
-            <pc:sldMk cId="2707278008" sldId="281"/>
-            <ac:spMk id="16" creationId="{2D209369-8A0C-8FC0-88B6-CCC1B77A8DDF}"/>
-          </ac:spMkLst>
-        </pc:spChg>
-        <pc:spChg chg="del">
-          <ac:chgData name="Benjamin Robert" userId="bdf697ffd98a8826" providerId="LiveId" clId="{F9B987AF-30B6-492A-8DDE-7756DD1863D2}" dt="2023-11-12T11:23:38.216" v="142" actId="478"/>
-          <ac:spMkLst>
-            <pc:docMk/>
-            <pc:sldMk cId="2707278008" sldId="281"/>
-            <ac:spMk id="24" creationId="{197E14E8-3AF3-A0E5-9EAB-D0747F27CE51}"/>
-          </ac:spMkLst>
-        </pc:spChg>
-        <pc:spChg chg="del">
-          <ac:chgData name="Benjamin Robert" userId="bdf697ffd98a8826" providerId="LiveId" clId="{F9B987AF-30B6-492A-8DDE-7756DD1863D2}" dt="2023-11-12T11:23:38.216" v="142" actId="478"/>
-          <ac:spMkLst>
-            <pc:docMk/>
-            <pc:sldMk cId="2707278008" sldId="281"/>
-            <ac:spMk id="25" creationId="{0BCFCF84-444C-C7D0-1E69-EAD0C2B35E1D}"/>
-          </ac:spMkLst>
-        </pc:spChg>
-        <pc:spChg chg="del">
-          <ac:chgData name="Benjamin Robert" userId="bdf697ffd98a8826" providerId="LiveId" clId="{F9B987AF-30B6-492A-8DDE-7756DD1863D2}" dt="2023-11-12T11:23:38.216" v="142" actId="478"/>
-          <ac:spMkLst>
-            <pc:docMk/>
-            <pc:sldMk cId="2707278008" sldId="281"/>
-            <ac:spMk id="27" creationId="{2C70DFBD-9FDB-2FAF-9DE8-680DED429B46}"/>
-          </ac:spMkLst>
-        </pc:spChg>
-        <pc:picChg chg="add del">
-          <ac:chgData name="Benjamin Robert" userId="bdf697ffd98a8826" providerId="LiveId" clId="{F9B987AF-30B6-492A-8DDE-7756DD1863D2}" dt="2023-11-12T11:33:04.683" v="345" actId="478"/>
-          <ac:picMkLst>
-            <pc:docMk/>
-            <pc:sldMk cId="2707278008" sldId="281"/>
-            <ac:picMk id="15362" creationId="{7CF16460-A386-F31B-2A6E-9E9576D6CB85}"/>
-          </ac:picMkLst>
-        </pc:picChg>
-        <pc:cxnChg chg="del">
-          <ac:chgData name="Benjamin Robert" userId="bdf697ffd98a8826" providerId="LiveId" clId="{F9B987AF-30B6-492A-8DDE-7756DD1863D2}" dt="2023-11-12T11:23:38.216" v="142" actId="478"/>
-          <ac:cxnSpMkLst>
-            <pc:docMk/>
-            <pc:sldMk cId="2707278008" sldId="281"/>
-            <ac:cxnSpMk id="3" creationId="{BCD3EA32-42BB-E00D-2053-5496FC98DC21}"/>
-          </ac:cxnSpMkLst>
-        </pc:cxnChg>
-        <pc:cxnChg chg="del">
-          <ac:chgData name="Benjamin Robert" userId="bdf697ffd98a8826" providerId="LiveId" clId="{F9B987AF-30B6-492A-8DDE-7756DD1863D2}" dt="2023-11-12T11:23:38.216" v="142" actId="478"/>
-          <ac:cxnSpMkLst>
-            <pc:docMk/>
-            <pc:sldMk cId="2707278008" sldId="281"/>
-            <ac:cxnSpMk id="6" creationId="{FD90DDFB-B757-A56D-B7B3-67EBE377C854}"/>
-          </ac:cxnSpMkLst>
-        </pc:cxnChg>
-        <pc:cxnChg chg="del">
-          <ac:chgData name="Benjamin Robert" userId="bdf697ffd98a8826" providerId="LiveId" clId="{F9B987AF-30B6-492A-8DDE-7756DD1863D2}" dt="2023-11-12T11:23:38.216" v="142" actId="478"/>
-          <ac:cxnSpMkLst>
-            <pc:docMk/>
-            <pc:sldMk cId="2707278008" sldId="281"/>
-            <ac:cxnSpMk id="8" creationId="{270C5ADE-807B-C571-E57E-83599448FB38}"/>
-          </ac:cxnSpMkLst>
-        </pc:cxnChg>
-        <pc:cxnChg chg="del">
-          <ac:chgData name="Benjamin Robert" userId="bdf697ffd98a8826" providerId="LiveId" clId="{F9B987AF-30B6-492A-8DDE-7756DD1863D2}" dt="2023-11-12T11:23:38.216" v="142" actId="478"/>
-          <ac:cxnSpMkLst>
-            <pc:docMk/>
-            <pc:sldMk cId="2707278008" sldId="281"/>
-            <ac:cxnSpMk id="9" creationId="{1A778084-3012-1C83-57E9-9DFA2717AE72}"/>
-          </ac:cxnSpMkLst>
-        </pc:cxnChg>
-        <pc:cxnChg chg="del">
-          <ac:chgData name="Benjamin Robert" userId="bdf697ffd98a8826" providerId="LiveId" clId="{F9B987AF-30B6-492A-8DDE-7756DD1863D2}" dt="2023-11-12T11:23:38.216" v="142" actId="478"/>
-          <ac:cxnSpMkLst>
-            <pc:docMk/>
-            <pc:sldMk cId="2707278008" sldId="281"/>
-            <ac:cxnSpMk id="10" creationId="{E79D6563-34F5-6CCE-9405-DBEA9FCF1426}"/>
-          </ac:cxnSpMkLst>
-        </pc:cxnChg>
-        <pc:cxnChg chg="del">
-          <ac:chgData name="Benjamin Robert" userId="bdf697ffd98a8826" providerId="LiveId" clId="{F9B987AF-30B6-492A-8DDE-7756DD1863D2}" dt="2023-11-12T11:23:38.216" v="142" actId="478"/>
-          <ac:cxnSpMkLst>
-            <pc:docMk/>
-            <pc:sldMk cId="2707278008" sldId="281"/>
-            <ac:cxnSpMk id="20" creationId="{D87A0CBA-FBC9-24AA-C2FE-F6C6F231392C}"/>
-          </ac:cxnSpMkLst>
-        </pc:cxnChg>
       </pc:sldChg>
       <pc:sldChg chg="addSp delSp modSp add mod">
         <pc:chgData name="Benjamin Robert" userId="bdf697ffd98a8826" providerId="LiveId" clId="{F9B987AF-30B6-492A-8DDE-7756DD1863D2}" dt="2023-11-12T11:40:11.538" v="492" actId="14100"/>
@@ -575,54 +239,6 @@
           <pc:docMk/>
           <pc:sldMk cId="1283645738" sldId="282"/>
         </pc:sldMkLst>
-        <pc:spChg chg="del">
-          <ac:chgData name="Benjamin Robert" userId="bdf697ffd98a8826" providerId="LiveId" clId="{F9B987AF-30B6-492A-8DDE-7756DD1863D2}" dt="2023-11-12T11:33:31.531" v="353" actId="478"/>
-          <ac:spMkLst>
-            <pc:docMk/>
-            <pc:sldMk cId="1283645738" sldId="282"/>
-            <ac:spMk id="2" creationId="{97A4D32F-809E-787F-5547-469406039622}"/>
-          </ac:spMkLst>
-        </pc:spChg>
-        <pc:spChg chg="add mod">
-          <ac:chgData name="Benjamin Robert" userId="bdf697ffd98a8826" providerId="LiveId" clId="{F9B987AF-30B6-492A-8DDE-7756DD1863D2}" dt="2023-11-12T11:39:18.888" v="452" actId="1076"/>
-          <ac:spMkLst>
-            <pc:docMk/>
-            <pc:sldMk cId="1283645738" sldId="282"/>
-            <ac:spMk id="4" creationId="{1EC7972A-7F2D-A47A-BE44-087B3F4D653D}"/>
-          </ac:spMkLst>
-        </pc:spChg>
-        <pc:spChg chg="del">
-          <ac:chgData name="Benjamin Robert" userId="bdf697ffd98a8826" providerId="LiveId" clId="{F9B987AF-30B6-492A-8DDE-7756DD1863D2}" dt="2023-11-12T11:33:33.963" v="354" actId="478"/>
-          <ac:spMkLst>
-            <pc:docMk/>
-            <pc:sldMk cId="1283645738" sldId="282"/>
-            <ac:spMk id="5" creationId="{A4CF6579-6522-2E9D-6332-10959F673843}"/>
-          </ac:spMkLst>
-        </pc:spChg>
-        <pc:spChg chg="del mod">
-          <ac:chgData name="Benjamin Robert" userId="bdf697ffd98a8826" providerId="LiveId" clId="{F9B987AF-30B6-492A-8DDE-7756DD1863D2}" dt="2023-11-12T11:39:59.726" v="477" actId="478"/>
-          <ac:spMkLst>
-            <pc:docMk/>
-            <pc:sldMk cId="1283645738" sldId="282"/>
-            <ac:spMk id="11" creationId="{058175E2-05E0-9FDF-B200-117D9DD78F06}"/>
-          </ac:spMkLst>
-        </pc:spChg>
-        <pc:spChg chg="mod">
-          <ac:chgData name="Benjamin Robert" userId="bdf697ffd98a8826" providerId="LiveId" clId="{F9B987AF-30B6-492A-8DDE-7756DD1863D2}" dt="2023-11-12T11:40:11.538" v="492" actId="14100"/>
-          <ac:spMkLst>
-            <pc:docMk/>
-            <pc:sldMk cId="1283645738" sldId="282"/>
-            <ac:spMk id="12" creationId="{69357739-6D16-6506-8966-9E005B35E030}"/>
-          </ac:spMkLst>
-        </pc:spChg>
-        <pc:picChg chg="mod">
-          <ac:chgData name="Benjamin Robert" userId="bdf697ffd98a8826" providerId="LiveId" clId="{F9B987AF-30B6-492A-8DDE-7756DD1863D2}" dt="2023-11-12T11:39:28.738" v="454" actId="167"/>
-          <ac:picMkLst>
-            <pc:docMk/>
-            <pc:sldMk cId="1283645738" sldId="282"/>
-            <ac:picMk id="15362" creationId="{7CF16460-A386-F31B-2A6E-9E9576D6CB85}"/>
-          </ac:picMkLst>
-        </pc:picChg>
       </pc:sldChg>
       <pc:sldChg chg="addSp delSp modSp add mod">
         <pc:chgData name="Benjamin Robert" userId="bdf697ffd98a8826" providerId="LiveId" clId="{F9B987AF-30B6-492A-8DDE-7756DD1863D2}" dt="2023-11-12T11:38:56.724" v="448" actId="114"/>
@@ -630,30 +246,6 @@
           <pc:docMk/>
           <pc:sldMk cId="2310153840" sldId="283"/>
         </pc:sldMkLst>
-        <pc:spChg chg="mod">
-          <ac:chgData name="Benjamin Robert" userId="bdf697ffd98a8826" providerId="LiveId" clId="{F9B987AF-30B6-492A-8DDE-7756DD1863D2}" dt="2023-11-12T11:38:56.724" v="448" actId="114"/>
-          <ac:spMkLst>
-            <pc:docMk/>
-            <pc:sldMk cId="2310153840" sldId="283"/>
-            <ac:spMk id="3" creationId="{99382AC5-4CEE-972F-FDEC-288DCCBE6BD9}"/>
-          </ac:spMkLst>
-        </pc:spChg>
-        <pc:spChg chg="add del mod">
-          <ac:chgData name="Benjamin Robert" userId="bdf697ffd98a8826" providerId="LiveId" clId="{F9B987AF-30B6-492A-8DDE-7756DD1863D2}" dt="2023-11-12T11:38:05.746" v="439" actId="478"/>
-          <ac:spMkLst>
-            <pc:docMk/>
-            <pc:sldMk cId="2310153840" sldId="283"/>
-            <ac:spMk id="4" creationId="{902DA476-321E-A08D-D051-E1DC2763DF4C}"/>
-          </ac:spMkLst>
-        </pc:spChg>
-        <pc:spChg chg="del">
-          <ac:chgData name="Benjamin Robert" userId="bdf697ffd98a8826" providerId="LiveId" clId="{F9B987AF-30B6-492A-8DDE-7756DD1863D2}" dt="2023-11-12T11:38:03.826" v="438" actId="478"/>
-          <ac:spMkLst>
-            <pc:docMk/>
-            <pc:sldMk cId="2310153840" sldId="283"/>
-            <ac:spMk id="5" creationId="{A4CF6579-6522-2E9D-6332-10959F673843}"/>
-          </ac:spMkLst>
-        </pc:spChg>
       </pc:sldChg>
       <pc:sldChg chg="delSp modSp add mod">
         <pc:chgData name="Benjamin Robert" userId="bdf697ffd98a8826" providerId="LiveId" clId="{F9B987AF-30B6-492A-8DDE-7756DD1863D2}" dt="2023-11-13T07:42:43.079" v="502" actId="12789"/>
@@ -661,38 +253,6 @@
           <pc:docMk/>
           <pc:sldMk cId="3848320328" sldId="284"/>
         </pc:sldMkLst>
-        <pc:spChg chg="mod">
-          <ac:chgData name="Benjamin Robert" userId="bdf697ffd98a8826" providerId="LiveId" clId="{F9B987AF-30B6-492A-8DDE-7756DD1863D2}" dt="2023-11-13T07:42:43.079" v="502" actId="12789"/>
-          <ac:spMkLst>
-            <pc:docMk/>
-            <pc:sldMk cId="3848320328" sldId="284"/>
-            <ac:spMk id="2" creationId="{943ED34C-BB50-6E1C-EF0C-36ABE7323345}"/>
-          </ac:spMkLst>
-        </pc:spChg>
-        <pc:spChg chg="del">
-          <ac:chgData name="Benjamin Robert" userId="bdf697ffd98a8826" providerId="LiveId" clId="{F9B987AF-30B6-492A-8DDE-7756DD1863D2}" dt="2023-11-13T07:42:24.579" v="497" actId="478"/>
-          <ac:spMkLst>
-            <pc:docMk/>
-            <pc:sldMk cId="3848320328" sldId="284"/>
-            <ac:spMk id="3" creationId="{10CBD4CE-17AA-F81B-8661-F3297E1E6033}"/>
-          </ac:spMkLst>
-        </pc:spChg>
-        <pc:spChg chg="del">
-          <ac:chgData name="Benjamin Robert" userId="bdf697ffd98a8826" providerId="LiveId" clId="{F9B987AF-30B6-492A-8DDE-7756DD1863D2}" dt="2023-11-13T07:42:26.634" v="498" actId="478"/>
-          <ac:spMkLst>
-            <pc:docMk/>
-            <pc:sldMk cId="3848320328" sldId="284"/>
-            <ac:spMk id="4" creationId="{87D9624F-3089-C5D1-08D2-A716E09F8947}"/>
-          </ac:spMkLst>
-        </pc:spChg>
-        <pc:spChg chg="del">
-          <ac:chgData name="Benjamin Robert" userId="bdf697ffd98a8826" providerId="LiveId" clId="{F9B987AF-30B6-492A-8DDE-7756DD1863D2}" dt="2023-11-13T07:42:24.579" v="497" actId="478"/>
-          <ac:spMkLst>
-            <pc:docMk/>
-            <pc:sldMk cId="3848320328" sldId="284"/>
-            <ac:spMk id="7" creationId="{777A56C9-798B-3844-CD9F-075751F19BB8}"/>
-          </ac:spMkLst>
-        </pc:spChg>
       </pc:sldChg>
       <pc:sldChg chg="addSp delSp modSp new mod">
         <pc:chgData name="Benjamin Robert" userId="bdf697ffd98a8826" providerId="LiveId" clId="{F9B987AF-30B6-492A-8DDE-7756DD1863D2}" dt="2023-11-15T07:47:27.418" v="530" actId="478"/>
@@ -700,54 +260,6 @@
           <pc:docMk/>
           <pc:sldMk cId="102400149" sldId="285"/>
         </pc:sldMkLst>
-        <pc:spChg chg="del">
-          <ac:chgData name="Benjamin Robert" userId="bdf697ffd98a8826" providerId="LiveId" clId="{F9B987AF-30B6-492A-8DDE-7756DD1863D2}" dt="2023-11-15T07:45:31.434" v="504" actId="478"/>
-          <ac:spMkLst>
-            <pc:docMk/>
-            <pc:sldMk cId="102400149" sldId="285"/>
-            <ac:spMk id="2" creationId="{FE2AF2E9-0B65-8785-B185-EB1DAB42096D}"/>
-          </ac:spMkLst>
-        </pc:spChg>
-        <pc:spChg chg="del">
-          <ac:chgData name="Benjamin Robert" userId="bdf697ffd98a8826" providerId="LiveId" clId="{F9B987AF-30B6-492A-8DDE-7756DD1863D2}" dt="2023-11-15T07:45:31.434" v="504" actId="478"/>
-          <ac:spMkLst>
-            <pc:docMk/>
-            <pc:sldMk cId="102400149" sldId="285"/>
-            <ac:spMk id="3" creationId="{953F7BDC-2E55-7129-3280-84E4CBA046FE}"/>
-          </ac:spMkLst>
-        </pc:spChg>
-        <pc:cxnChg chg="add del mod">
-          <ac:chgData name="Benjamin Robert" userId="bdf697ffd98a8826" providerId="LiveId" clId="{F9B987AF-30B6-492A-8DDE-7756DD1863D2}" dt="2023-11-15T07:47:27.418" v="530" actId="478"/>
-          <ac:cxnSpMkLst>
-            <pc:docMk/>
-            <pc:sldMk cId="102400149" sldId="285"/>
-            <ac:cxnSpMk id="5" creationId="{943D2B7D-EE15-72E8-85F5-E754E127AA1C}"/>
-          </ac:cxnSpMkLst>
-        </pc:cxnChg>
-        <pc:cxnChg chg="add del mod">
-          <ac:chgData name="Benjamin Robert" userId="bdf697ffd98a8826" providerId="LiveId" clId="{F9B987AF-30B6-492A-8DDE-7756DD1863D2}" dt="2023-11-15T07:47:27.418" v="530" actId="478"/>
-          <ac:cxnSpMkLst>
-            <pc:docMk/>
-            <pc:sldMk cId="102400149" sldId="285"/>
-            <ac:cxnSpMk id="7" creationId="{C5CC592B-3CC4-016E-402C-F16B28B6897D}"/>
-          </ac:cxnSpMkLst>
-        </pc:cxnChg>
-        <pc:cxnChg chg="add del mod">
-          <ac:chgData name="Benjamin Robert" userId="bdf697ffd98a8826" providerId="LiveId" clId="{F9B987AF-30B6-492A-8DDE-7756DD1863D2}" dt="2023-11-15T07:47:27.418" v="530" actId="478"/>
-          <ac:cxnSpMkLst>
-            <pc:docMk/>
-            <pc:sldMk cId="102400149" sldId="285"/>
-            <ac:cxnSpMk id="8" creationId="{F4F86DE9-42CA-BC32-760A-0E4B0041CE6C}"/>
-          </ac:cxnSpMkLst>
-        </pc:cxnChg>
-        <pc:cxnChg chg="add del mod">
-          <ac:chgData name="Benjamin Robert" userId="bdf697ffd98a8826" providerId="LiveId" clId="{F9B987AF-30B6-492A-8DDE-7756DD1863D2}" dt="2023-11-15T07:47:27.418" v="530" actId="478"/>
-          <ac:cxnSpMkLst>
-            <pc:docMk/>
-            <pc:sldMk cId="102400149" sldId="285"/>
-            <ac:cxnSpMk id="11" creationId="{3C528FF4-4407-6A67-E272-87A0C8E6370E}"/>
-          </ac:cxnSpMkLst>
-        </pc:cxnChg>
       </pc:sldChg>
     </pc:docChg>
   </pc:docChgLst>
@@ -764,14 +276,6 @@
           <pc:docMk/>
           <pc:sldMk cId="3992679617" sldId="257"/>
         </pc:sldMkLst>
-        <pc:spChg chg="mod">
-          <ac:chgData name="Benjamin Robert" userId="bdf697ffd98a8826" providerId="LiveId" clId="{BAE0B02E-EB89-4593-87A8-4EFD4697154C}" dt="2024-11-01T16:36:40.767" v="3" actId="20577"/>
-          <ac:spMkLst>
-            <pc:docMk/>
-            <pc:sldMk cId="3992679617" sldId="257"/>
-            <ac:spMk id="8" creationId="{70EC97A9-C9C2-E981-DD31-BC49159387F3}"/>
-          </ac:spMkLst>
-        </pc:spChg>
       </pc:sldChg>
       <pc:sldChg chg="addSp delSp modSp mod">
         <pc:chgData name="Benjamin Robert" userId="bdf697ffd98a8826" providerId="LiveId" clId="{BAE0B02E-EB89-4593-87A8-4EFD4697154C}" dt="2024-11-13T16:44:41.126" v="52" actId="6549"/>
@@ -779,54 +283,6 @@
           <pc:docMk/>
           <pc:sldMk cId="2482331802" sldId="262"/>
         </pc:sldMkLst>
-        <pc:spChg chg="del mod">
-          <ac:chgData name="Benjamin Robert" userId="bdf697ffd98a8826" providerId="LiveId" clId="{BAE0B02E-EB89-4593-87A8-4EFD4697154C}" dt="2024-11-01T16:39:39.127" v="6" actId="478"/>
-          <ac:spMkLst>
-            <pc:docMk/>
-            <pc:sldMk cId="2482331802" sldId="262"/>
-            <ac:spMk id="2" creationId="{943ED34C-BB50-6E1C-EF0C-36ABE7323345}"/>
-          </ac:spMkLst>
-        </pc:spChg>
-        <pc:spChg chg="del">
-          <ac:chgData name="Benjamin Robert" userId="bdf697ffd98a8826" providerId="LiveId" clId="{BAE0B02E-EB89-4593-87A8-4EFD4697154C}" dt="2024-11-01T16:41:16.206" v="18" actId="478"/>
-          <ac:spMkLst>
-            <pc:docMk/>
-            <pc:sldMk cId="2482331802" sldId="262"/>
-            <ac:spMk id="4" creationId="{87D9624F-3089-C5D1-08D2-A716E09F8947}"/>
-          </ac:spMkLst>
-        </pc:spChg>
-        <pc:spChg chg="add del mod">
-          <ac:chgData name="Benjamin Robert" userId="bdf697ffd98a8826" providerId="LiveId" clId="{BAE0B02E-EB89-4593-87A8-4EFD4697154C}" dt="2024-11-01T16:39:42.513" v="7" actId="478"/>
-          <ac:spMkLst>
-            <pc:docMk/>
-            <pc:sldMk cId="2482331802" sldId="262"/>
-            <ac:spMk id="5" creationId="{D0298913-47EA-906F-3351-DB9DD8678499}"/>
-          </ac:spMkLst>
-        </pc:spChg>
-        <pc:spChg chg="mod">
-          <ac:chgData name="Benjamin Robert" userId="bdf697ffd98a8826" providerId="LiveId" clId="{BAE0B02E-EB89-4593-87A8-4EFD4697154C}" dt="2024-11-13T16:44:41.126" v="52" actId="6549"/>
-          <ac:spMkLst>
-            <pc:docMk/>
-            <pc:sldMk cId="2482331802" sldId="262"/>
-            <ac:spMk id="6" creationId="{B3F58968-54FC-6BEB-ECD2-B3AA6055D14E}"/>
-          </ac:spMkLst>
-        </pc:spChg>
-        <pc:spChg chg="add mod">
-          <ac:chgData name="Benjamin Robert" userId="bdf697ffd98a8826" providerId="LiveId" clId="{BAE0B02E-EB89-4593-87A8-4EFD4697154C}" dt="2024-11-01T16:39:42.830" v="8"/>
-          <ac:spMkLst>
-            <pc:docMk/>
-            <pc:sldMk cId="2482331802" sldId="262"/>
-            <ac:spMk id="7" creationId="{5CF97F49-AA9F-96C2-C680-4ACD18172EE5}"/>
-          </ac:spMkLst>
-        </pc:spChg>
-        <pc:spChg chg="add mod">
-          <ac:chgData name="Benjamin Robert" userId="bdf697ffd98a8826" providerId="LiveId" clId="{BAE0B02E-EB89-4593-87A8-4EFD4697154C}" dt="2024-11-01T16:41:16.955" v="19"/>
-          <ac:spMkLst>
-            <pc:docMk/>
-            <pc:sldMk cId="2482331802" sldId="262"/>
-            <ac:spMk id="8" creationId="{EE024624-B130-CF32-F2FC-5DD5785F9F8D}"/>
-          </ac:spMkLst>
-        </pc:spChg>
       </pc:sldChg>
       <pc:sldChg chg="addSp delSp modSp mod">
         <pc:chgData name="Benjamin Robert" userId="bdf697ffd98a8826" providerId="LiveId" clId="{BAE0B02E-EB89-4593-87A8-4EFD4697154C}" dt="2024-11-01T16:41:21.885" v="21"/>
@@ -834,62 +290,6 @@
           <pc:docMk/>
           <pc:sldMk cId="3315754511" sldId="264"/>
         </pc:sldMkLst>
-        <pc:spChg chg="del">
-          <ac:chgData name="Benjamin Robert" userId="bdf697ffd98a8826" providerId="LiveId" clId="{BAE0B02E-EB89-4593-87A8-4EFD4697154C}" dt="2024-11-01T16:39:51.846" v="9" actId="478"/>
-          <ac:spMkLst>
-            <pc:docMk/>
-            <pc:sldMk cId="3315754511" sldId="264"/>
-            <ac:spMk id="2" creationId="{943ED34C-BB50-6E1C-EF0C-36ABE7323345}"/>
-          </ac:spMkLst>
-        </pc:spChg>
-        <pc:spChg chg="add del mod">
-          <ac:chgData name="Benjamin Robert" userId="bdf697ffd98a8826" providerId="LiveId" clId="{BAE0B02E-EB89-4593-87A8-4EFD4697154C}" dt="2024-11-01T16:39:54.854" v="10" actId="478"/>
-          <ac:spMkLst>
-            <pc:docMk/>
-            <pc:sldMk cId="3315754511" sldId="264"/>
-            <ac:spMk id="4" creationId="{472251C7-47BC-4DB1-C918-9A6FA83ED867}"/>
-          </ac:spMkLst>
-        </pc:spChg>
-        <pc:spChg chg="del">
-          <ac:chgData name="Benjamin Robert" userId="bdf697ffd98a8826" providerId="LiveId" clId="{BAE0B02E-EB89-4593-87A8-4EFD4697154C}" dt="2024-11-01T16:41:21.594" v="20" actId="478"/>
-          <ac:spMkLst>
-            <pc:docMk/>
-            <pc:sldMk cId="3315754511" sldId="264"/>
-            <ac:spMk id="5" creationId="{53245AB4-99C1-398F-CD7E-8D9F6575A78F}"/>
-          </ac:spMkLst>
-        </pc:spChg>
-        <pc:spChg chg="add del mod">
-          <ac:chgData name="Benjamin Robert" userId="bdf697ffd98a8826" providerId="LiveId" clId="{BAE0B02E-EB89-4593-87A8-4EFD4697154C}" dt="2024-11-01T16:40:05.287" v="12" actId="478"/>
-          <ac:spMkLst>
-            <pc:docMk/>
-            <pc:sldMk cId="3315754511" sldId="264"/>
-            <ac:spMk id="6" creationId="{E37F11DB-9424-3B9A-7BDA-C5586A153330}"/>
-          </ac:spMkLst>
-        </pc:spChg>
-        <pc:spChg chg="add del mod">
-          <ac:chgData name="Benjamin Robert" userId="bdf697ffd98a8826" providerId="LiveId" clId="{BAE0B02E-EB89-4593-87A8-4EFD4697154C}" dt="2024-11-01T16:40:07.877" v="13" actId="478"/>
-          <ac:spMkLst>
-            <pc:docMk/>
-            <pc:sldMk cId="3315754511" sldId="264"/>
-            <ac:spMk id="8" creationId="{CE9B3C11-32BC-8C08-8414-FD8A197CAE86}"/>
-          </ac:spMkLst>
-        </pc:spChg>
-        <pc:spChg chg="add mod">
-          <ac:chgData name="Benjamin Robert" userId="bdf697ffd98a8826" providerId="LiveId" clId="{BAE0B02E-EB89-4593-87A8-4EFD4697154C}" dt="2024-11-01T16:40:08.806" v="14"/>
-          <ac:spMkLst>
-            <pc:docMk/>
-            <pc:sldMk cId="3315754511" sldId="264"/>
-            <ac:spMk id="9" creationId="{AFDD433B-F937-E1AD-B7B2-A36CA7E06ACA}"/>
-          </ac:spMkLst>
-        </pc:spChg>
-        <pc:spChg chg="add mod">
-          <ac:chgData name="Benjamin Robert" userId="bdf697ffd98a8826" providerId="LiveId" clId="{BAE0B02E-EB89-4593-87A8-4EFD4697154C}" dt="2024-11-01T16:41:21.885" v="21"/>
-          <ac:spMkLst>
-            <pc:docMk/>
-            <pc:sldMk cId="3315754511" sldId="264"/>
-            <ac:spMk id="11" creationId="{734F3402-F1C9-8E1E-E577-1581977F9EF9}"/>
-          </ac:spMkLst>
-        </pc:spChg>
       </pc:sldChg>
       <pc:sldChg chg="addSp delSp modSp mod">
         <pc:chgData name="Benjamin Robert" userId="bdf697ffd98a8826" providerId="LiveId" clId="{BAE0B02E-EB89-4593-87A8-4EFD4697154C}" dt="2024-11-01T16:42:53.558" v="31"/>
@@ -897,38 +297,6 @@
           <pc:docMk/>
           <pc:sldMk cId="2180008669" sldId="268"/>
         </pc:sldMkLst>
-        <pc:spChg chg="add mod">
-          <ac:chgData name="Benjamin Robert" userId="bdf697ffd98a8826" providerId="LiveId" clId="{BAE0B02E-EB89-4593-87A8-4EFD4697154C}" dt="2024-11-01T16:42:35.631" v="29"/>
-          <ac:spMkLst>
-            <pc:docMk/>
-            <pc:sldMk cId="2180008669" sldId="268"/>
-            <ac:spMk id="3" creationId="{C7A004FB-98B0-FB36-222A-1BC4AEE84301}"/>
-          </ac:spMkLst>
-        </pc:spChg>
-        <pc:spChg chg="del">
-          <ac:chgData name="Benjamin Robert" userId="bdf697ffd98a8826" providerId="LiveId" clId="{BAE0B02E-EB89-4593-87A8-4EFD4697154C}" dt="2024-11-01T16:42:35.245" v="28" actId="478"/>
-          <ac:spMkLst>
-            <pc:docMk/>
-            <pc:sldMk cId="2180008669" sldId="268"/>
-            <ac:spMk id="6" creationId="{E3B5B8F1-2EDB-AF71-0407-F124EF306678}"/>
-          </ac:spMkLst>
-        </pc:spChg>
-        <pc:spChg chg="del">
-          <ac:chgData name="Benjamin Robert" userId="bdf697ffd98a8826" providerId="LiveId" clId="{BAE0B02E-EB89-4593-87A8-4EFD4697154C}" dt="2024-11-01T16:42:53.319" v="30" actId="478"/>
-          <ac:spMkLst>
-            <pc:docMk/>
-            <pc:sldMk cId="2180008669" sldId="268"/>
-            <ac:spMk id="7" creationId="{D4AA2446-5520-53A3-D946-C342B598E736}"/>
-          </ac:spMkLst>
-        </pc:spChg>
-        <pc:spChg chg="add mod">
-          <ac:chgData name="Benjamin Robert" userId="bdf697ffd98a8826" providerId="LiveId" clId="{BAE0B02E-EB89-4593-87A8-4EFD4697154C}" dt="2024-11-01T16:42:53.558" v="31"/>
-          <ac:spMkLst>
-            <pc:docMk/>
-            <pc:sldMk cId="2180008669" sldId="268"/>
-            <ac:spMk id="14" creationId="{9986BFE3-390A-4D3B-93D4-BB2312CBAEBC}"/>
-          </ac:spMkLst>
-        </pc:spChg>
       </pc:sldChg>
       <pc:sldChg chg="addSp delSp modSp mod">
         <pc:chgData name="Benjamin Robert" userId="bdf697ffd98a8826" providerId="LiveId" clId="{BAE0B02E-EB89-4593-87A8-4EFD4697154C}" dt="2024-11-01T16:42:29.826" v="27"/>
@@ -936,22 +304,6 @@
           <pc:docMk/>
           <pc:sldMk cId="3431075668" sldId="272"/>
         </pc:sldMkLst>
-        <pc:spChg chg="add mod">
-          <ac:chgData name="Benjamin Robert" userId="bdf697ffd98a8826" providerId="LiveId" clId="{BAE0B02E-EB89-4593-87A8-4EFD4697154C}" dt="2024-11-01T16:42:29.826" v="27"/>
-          <ac:spMkLst>
-            <pc:docMk/>
-            <pc:sldMk cId="3431075668" sldId="272"/>
-            <ac:spMk id="3" creationId="{01994174-18D3-EE79-132A-0F8BFF2E2A46}"/>
-          </ac:spMkLst>
-        </pc:spChg>
-        <pc:spChg chg="del">
-          <ac:chgData name="Benjamin Robert" userId="bdf697ffd98a8826" providerId="LiveId" clId="{BAE0B02E-EB89-4593-87A8-4EFD4697154C}" dt="2024-11-01T16:42:29.010" v="26" actId="478"/>
-          <ac:spMkLst>
-            <pc:docMk/>
-            <pc:sldMk cId="3431075668" sldId="272"/>
-            <ac:spMk id="6" creationId="{E3B5B8F1-2EDB-AF71-0407-F124EF306678}"/>
-          </ac:spMkLst>
-        </pc:spChg>
       </pc:sldChg>
       <pc:sldChg chg="addSp delSp modSp mod">
         <pc:chgData name="Benjamin Robert" userId="bdf697ffd98a8826" providerId="LiveId" clId="{BAE0B02E-EB89-4593-87A8-4EFD4697154C}" dt="2024-11-01T16:42:58.712" v="33"/>
@@ -959,46 +311,6 @@
           <pc:docMk/>
           <pc:sldMk cId="2345905708" sldId="273"/>
         </pc:sldMkLst>
-        <pc:spChg chg="add del mod">
-          <ac:chgData name="Benjamin Robert" userId="bdf697ffd98a8826" providerId="LiveId" clId="{BAE0B02E-EB89-4593-87A8-4EFD4697154C}" dt="2024-11-01T16:41:49.224" v="24" actId="478"/>
-          <ac:spMkLst>
-            <pc:docMk/>
-            <pc:sldMk cId="2345905708" sldId="273"/>
-            <ac:spMk id="3" creationId="{77120E49-795C-A85F-EF38-E09D7838C6B3}"/>
-          </ac:spMkLst>
-        </pc:spChg>
-        <pc:spChg chg="del">
-          <ac:chgData name="Benjamin Robert" userId="bdf697ffd98a8826" providerId="LiveId" clId="{BAE0B02E-EB89-4593-87A8-4EFD4697154C}" dt="2024-11-01T16:41:37.929" v="22" actId="478"/>
-          <ac:spMkLst>
-            <pc:docMk/>
-            <pc:sldMk cId="2345905708" sldId="273"/>
-            <ac:spMk id="6" creationId="{E3B5B8F1-2EDB-AF71-0407-F124EF306678}"/>
-          </ac:spMkLst>
-        </pc:spChg>
-        <pc:spChg chg="del">
-          <ac:chgData name="Benjamin Robert" userId="bdf697ffd98a8826" providerId="LiveId" clId="{BAE0B02E-EB89-4593-87A8-4EFD4697154C}" dt="2024-11-01T16:42:58.437" v="32" actId="478"/>
-          <ac:spMkLst>
-            <pc:docMk/>
-            <pc:sldMk cId="2345905708" sldId="273"/>
-            <ac:spMk id="7" creationId="{D4AA2446-5520-53A3-D946-C342B598E736}"/>
-          </ac:spMkLst>
-        </pc:spChg>
-        <pc:spChg chg="add mod">
-          <ac:chgData name="Benjamin Robert" userId="bdf697ffd98a8826" providerId="LiveId" clId="{BAE0B02E-EB89-4593-87A8-4EFD4697154C}" dt="2024-11-01T16:41:49.484" v="25"/>
-          <ac:spMkLst>
-            <pc:docMk/>
-            <pc:sldMk cId="2345905708" sldId="273"/>
-            <ac:spMk id="8" creationId="{22BF6912-A971-268F-0F65-2D76B53D911A}"/>
-          </ac:spMkLst>
-        </pc:spChg>
-        <pc:spChg chg="add mod">
-          <ac:chgData name="Benjamin Robert" userId="bdf697ffd98a8826" providerId="LiveId" clId="{BAE0B02E-EB89-4593-87A8-4EFD4697154C}" dt="2024-11-01T16:42:58.712" v="33"/>
-          <ac:spMkLst>
-            <pc:docMk/>
-            <pc:sldMk cId="2345905708" sldId="273"/>
-            <ac:spMk id="11" creationId="{1F8194CF-4072-1BE7-B565-6B2B41F958BE}"/>
-          </ac:spMkLst>
-        </pc:spChg>
       </pc:sldChg>
       <pc:sldChg chg="addSp delSp modSp mod">
         <pc:chgData name="Benjamin Robert" userId="bdf697ffd98a8826" providerId="LiveId" clId="{BAE0B02E-EB89-4593-87A8-4EFD4697154C}" dt="2024-11-01T16:40:27.606" v="17"/>
@@ -1006,30 +318,6 @@
           <pc:docMk/>
           <pc:sldMk cId="2146532103" sldId="275"/>
         </pc:sldMkLst>
-        <pc:spChg chg="add del mod">
-          <ac:chgData name="Benjamin Robert" userId="bdf697ffd98a8826" providerId="LiveId" clId="{BAE0B02E-EB89-4593-87A8-4EFD4697154C}" dt="2024-11-01T16:40:26.902" v="16" actId="478"/>
-          <ac:spMkLst>
-            <pc:docMk/>
-            <pc:sldMk cId="2146532103" sldId="275"/>
-            <ac:spMk id="3" creationId="{B77C99D0-669F-EE3D-9B13-9523392A7DA2}"/>
-          </ac:spMkLst>
-        </pc:spChg>
-        <pc:spChg chg="add mod">
-          <ac:chgData name="Benjamin Robert" userId="bdf697ffd98a8826" providerId="LiveId" clId="{BAE0B02E-EB89-4593-87A8-4EFD4697154C}" dt="2024-11-01T16:40:27.606" v="17"/>
-          <ac:spMkLst>
-            <pc:docMk/>
-            <pc:sldMk cId="2146532103" sldId="275"/>
-            <ac:spMk id="4" creationId="{549F885D-AC65-6560-1502-0476A61BE931}"/>
-          </ac:spMkLst>
-        </pc:spChg>
-        <pc:spChg chg="del">
-          <ac:chgData name="Benjamin Robert" userId="bdf697ffd98a8826" providerId="LiveId" clId="{BAE0B02E-EB89-4593-87A8-4EFD4697154C}" dt="2024-11-01T16:40:24.348" v="15" actId="478"/>
-          <ac:spMkLst>
-            <pc:docMk/>
-            <pc:sldMk cId="2146532103" sldId="275"/>
-            <ac:spMk id="5" creationId="{A4CF6579-6522-2E9D-6332-10959F673843}"/>
-          </ac:spMkLst>
-        </pc:spChg>
       </pc:sldChg>
       <pc:sldChg chg="addSp modSp mod">
         <pc:chgData name="Benjamin Robert" userId="bdf697ffd98a8826" providerId="LiveId" clId="{BAE0B02E-EB89-4593-87A8-4EFD4697154C}" dt="2024-11-13T16:42:56.126" v="45" actId="1076"/>
@@ -1037,14 +325,6 @@
           <pc:docMk/>
           <pc:sldMk cId="102400149" sldId="285"/>
         </pc:sldMkLst>
-        <pc:spChg chg="add mod">
-          <ac:chgData name="Benjamin Robert" userId="bdf697ffd98a8826" providerId="LiveId" clId="{BAE0B02E-EB89-4593-87A8-4EFD4697154C}" dt="2024-11-13T16:42:56.126" v="45" actId="1076"/>
-          <ac:spMkLst>
-            <pc:docMk/>
-            <pc:sldMk cId="102400149" sldId="285"/>
-            <ac:spMk id="3" creationId="{4492CAFD-055C-71C9-49E6-B601EDC86D9E}"/>
-          </ac:spMkLst>
-        </pc:spChg>
       </pc:sldChg>
       <pc:sldChg chg="add">
         <pc:chgData name="Benjamin Robert" userId="bdf697ffd98a8826" providerId="LiveId" clId="{BAE0B02E-EB89-4593-87A8-4EFD4697154C}" dt="2024-11-13T17:00:41.067" v="53"/>
@@ -1534,7 +814,7 @@
           <a:p>
             <a:fld id="{324681DF-B029-4FEC-BAF0-BCA82235DDD4}" type="datetimeFigureOut">
               <a:rPr lang="fr-FR" smtClean="0"/>
-              <a:t>13/11/2024</a:t>
+              <a:t>06/11/2025</a:t>
             </a:fld>
             <a:endParaRPr lang="fr-FR"/>
           </a:p>
@@ -1732,7 +1012,7 @@
           <a:p>
             <a:fld id="{324681DF-B029-4FEC-BAF0-BCA82235DDD4}" type="datetimeFigureOut">
               <a:rPr lang="fr-FR" smtClean="0"/>
-              <a:t>13/11/2024</a:t>
+              <a:t>06/11/2025</a:t>
             </a:fld>
             <a:endParaRPr lang="fr-FR"/>
           </a:p>
@@ -1940,7 +1220,7 @@
           <a:p>
             <a:fld id="{324681DF-B029-4FEC-BAF0-BCA82235DDD4}" type="datetimeFigureOut">
               <a:rPr lang="fr-FR" smtClean="0"/>
-              <a:t>13/11/2024</a:t>
+              <a:t>06/11/2025</a:t>
             </a:fld>
             <a:endParaRPr lang="fr-FR"/>
           </a:p>
@@ -2138,7 +1418,7 @@
           <a:p>
             <a:fld id="{324681DF-B029-4FEC-BAF0-BCA82235DDD4}" type="datetimeFigureOut">
               <a:rPr lang="fr-FR" smtClean="0"/>
-              <a:t>13/11/2024</a:t>
+              <a:t>06/11/2025</a:t>
             </a:fld>
             <a:endParaRPr lang="fr-FR"/>
           </a:p>
@@ -2413,7 +1693,7 @@
           <a:p>
             <a:fld id="{324681DF-B029-4FEC-BAF0-BCA82235DDD4}" type="datetimeFigureOut">
               <a:rPr lang="fr-FR" smtClean="0"/>
-              <a:t>13/11/2024</a:t>
+              <a:t>06/11/2025</a:t>
             </a:fld>
             <a:endParaRPr lang="fr-FR"/>
           </a:p>
@@ -2678,7 +1958,7 @@
           <a:p>
             <a:fld id="{324681DF-B029-4FEC-BAF0-BCA82235DDD4}" type="datetimeFigureOut">
               <a:rPr lang="fr-FR" smtClean="0"/>
-              <a:t>13/11/2024</a:t>
+              <a:t>06/11/2025</a:t>
             </a:fld>
             <a:endParaRPr lang="fr-FR"/>
           </a:p>
@@ -3090,7 +2370,7 @@
           <a:p>
             <a:fld id="{324681DF-B029-4FEC-BAF0-BCA82235DDD4}" type="datetimeFigureOut">
               <a:rPr lang="fr-FR" smtClean="0"/>
-              <a:t>13/11/2024</a:t>
+              <a:t>06/11/2025</a:t>
             </a:fld>
             <a:endParaRPr lang="fr-FR"/>
           </a:p>
@@ -3231,7 +2511,7 @@
           <a:p>
             <a:fld id="{324681DF-B029-4FEC-BAF0-BCA82235DDD4}" type="datetimeFigureOut">
               <a:rPr lang="fr-FR" smtClean="0"/>
-              <a:t>13/11/2024</a:t>
+              <a:t>06/11/2025</a:t>
             </a:fld>
             <a:endParaRPr lang="fr-FR"/>
           </a:p>
@@ -3344,7 +2624,7 @@
           <a:p>
             <a:fld id="{324681DF-B029-4FEC-BAF0-BCA82235DDD4}" type="datetimeFigureOut">
               <a:rPr lang="fr-FR" smtClean="0"/>
-              <a:t>13/11/2024</a:t>
+              <a:t>06/11/2025</a:t>
             </a:fld>
             <a:endParaRPr lang="fr-FR"/>
           </a:p>
@@ -3655,7 +2935,7 @@
           <a:p>
             <a:fld id="{324681DF-B029-4FEC-BAF0-BCA82235DDD4}" type="datetimeFigureOut">
               <a:rPr lang="fr-FR" smtClean="0"/>
-              <a:t>13/11/2024</a:t>
+              <a:t>06/11/2025</a:t>
             </a:fld>
             <a:endParaRPr lang="fr-FR"/>
           </a:p>
@@ -3943,7 +3223,7 @@
           <a:p>
             <a:fld id="{324681DF-B029-4FEC-BAF0-BCA82235DDD4}" type="datetimeFigureOut">
               <a:rPr lang="fr-FR" smtClean="0"/>
-              <a:t>13/11/2024</a:t>
+              <a:t>06/11/2025</a:t>
             </a:fld>
             <a:endParaRPr lang="fr-FR"/>
           </a:p>
@@ -4184,7 +3464,7 @@
           <a:p>
             <a:fld id="{324681DF-B029-4FEC-BAF0-BCA82235DDD4}" type="datetimeFigureOut">
               <a:rPr lang="fr-FR" smtClean="0"/>
-              <a:t>13/11/2024</a:t>
+              <a:t>06/11/2025</a:t>
             </a:fld>
             <a:endParaRPr lang="fr-FR"/>
           </a:p>
@@ -27939,7 +27219,7 @@
           <a:p>
             <a:r>
               <a:rPr lang="fr-FR" sz="4400" dirty="0"/>
-              <a:t>https://github.com/BenRobert38/BUT3-GIT-2024</a:t>
+              <a:t>https://github.com/BenRobert38/BUT3-GIT-2025</a:t>
             </a:r>
           </a:p>
         </p:txBody>

--- a/Cours/BUT3-Cours2.pptx
+++ b/Cours/BUT3-Cours2.pptx
@@ -176,11 +176,229 @@
 <pc:chgInfo xmlns:a="http://schemas.openxmlformats.org/drawingml/2006/main" xmlns:r="http://schemas.openxmlformats.org/officeDocument/2006/relationships" xmlns:ac="http://schemas.microsoft.com/office/drawing/2013/main/command" xmlns:pc="http://schemas.microsoft.com/office/powerpoint/2013/main/command">
   <pc:docChgLst>
     <pc:chgData name="Benjamin Robert" userId="bdf697ffd98a8826" providerId="LiveId" clId="{E651367B-8E57-43F2-B629-B9D3A634995C}"/>
-    <pc:docChg chg="modSld">
-      <pc:chgData name="Benjamin Robert" userId="bdf697ffd98a8826" providerId="LiveId" clId="{E651367B-8E57-43F2-B629-B9D3A634995C}" dt="2025-11-06T17:02:59.446" v="1" actId="20577"/>
+    <pc:docChg chg="custSel modSld">
+      <pc:chgData name="Benjamin Robert" userId="bdf697ffd98a8826" providerId="LiveId" clId="{E651367B-8E57-43F2-B629-B9D3A634995C}" dt="2025-11-07T10:58:12.293" v="40" actId="20577"/>
       <pc:docMkLst>
         <pc:docMk/>
       </pc:docMkLst>
+      <pc:sldChg chg="modSp mod">
+        <pc:chgData name="Benjamin Robert" userId="bdf697ffd98a8826" providerId="LiveId" clId="{E651367B-8E57-43F2-B629-B9D3A634995C}" dt="2025-11-07T10:55:24.619" v="5" actId="20577"/>
+        <pc:sldMkLst>
+          <pc:docMk/>
+          <pc:sldMk cId="3992679617" sldId="257"/>
+        </pc:sldMkLst>
+        <pc:spChg chg="mod">
+          <ac:chgData name="Benjamin Robert" userId="bdf697ffd98a8826" providerId="LiveId" clId="{E651367B-8E57-43F2-B629-B9D3A634995C}" dt="2025-11-07T10:55:24.619" v="5" actId="20577"/>
+          <ac:spMkLst>
+            <pc:docMk/>
+            <pc:sldMk cId="3992679617" sldId="257"/>
+            <ac:spMk id="8" creationId="{70EC97A9-C9C2-E981-DD31-BC49159387F3}"/>
+          </ac:spMkLst>
+        </pc:spChg>
+      </pc:sldChg>
+      <pc:sldChg chg="modSp mod">
+        <pc:chgData name="Benjamin Robert" userId="bdf697ffd98a8826" providerId="LiveId" clId="{E651367B-8E57-43F2-B629-B9D3A634995C}" dt="2025-11-07T10:56:10.418" v="11" actId="20577"/>
+        <pc:sldMkLst>
+          <pc:docMk/>
+          <pc:sldMk cId="2482331802" sldId="262"/>
+        </pc:sldMkLst>
+        <pc:spChg chg="mod">
+          <ac:chgData name="Benjamin Robert" userId="bdf697ffd98a8826" providerId="LiveId" clId="{E651367B-8E57-43F2-B629-B9D3A634995C}" dt="2025-11-07T10:56:10.418" v="11" actId="20577"/>
+          <ac:spMkLst>
+            <pc:docMk/>
+            <pc:sldMk cId="2482331802" sldId="262"/>
+            <ac:spMk id="8" creationId="{EE024624-B130-CF32-F2FC-5DD5785F9F8D}"/>
+          </ac:spMkLst>
+        </pc:spChg>
+      </pc:sldChg>
+      <pc:sldChg chg="modSp mod">
+        <pc:chgData name="Benjamin Robert" userId="bdf697ffd98a8826" providerId="LiveId" clId="{E651367B-8E57-43F2-B629-B9D3A634995C}" dt="2025-11-07T10:56:32.410" v="20" actId="20577"/>
+        <pc:sldMkLst>
+          <pc:docMk/>
+          <pc:sldMk cId="3577794057" sldId="263"/>
+        </pc:sldMkLst>
+        <pc:spChg chg="mod">
+          <ac:chgData name="Benjamin Robert" userId="bdf697ffd98a8826" providerId="LiveId" clId="{E651367B-8E57-43F2-B629-B9D3A634995C}" dt="2025-11-07T10:56:32.410" v="20" actId="20577"/>
+          <ac:spMkLst>
+            <pc:docMk/>
+            <pc:sldMk cId="3577794057" sldId="263"/>
+            <ac:spMk id="3" creationId="{10CBD4CE-17AA-F81B-8661-F3297E1E6033}"/>
+          </ac:spMkLst>
+        </pc:spChg>
+        <pc:spChg chg="mod">
+          <ac:chgData name="Benjamin Robert" userId="bdf697ffd98a8826" providerId="LiveId" clId="{E651367B-8E57-43F2-B629-B9D3A634995C}" dt="2025-11-07T10:56:16.350" v="14" actId="20577"/>
+          <ac:spMkLst>
+            <pc:docMk/>
+            <pc:sldMk cId="3577794057" sldId="263"/>
+            <ac:spMk id="4" creationId="{87D9624F-3089-C5D1-08D2-A716E09F8947}"/>
+          </ac:spMkLst>
+        </pc:spChg>
+      </pc:sldChg>
+      <pc:sldChg chg="modSp mod">
+        <pc:chgData name="Benjamin Robert" userId="bdf697ffd98a8826" providerId="LiveId" clId="{E651367B-8E57-43F2-B629-B9D3A634995C}" dt="2025-11-07T10:56:04.492" v="8" actId="20577"/>
+        <pc:sldMkLst>
+          <pc:docMk/>
+          <pc:sldMk cId="3315754511" sldId="264"/>
+        </pc:sldMkLst>
+        <pc:spChg chg="mod">
+          <ac:chgData name="Benjamin Robert" userId="bdf697ffd98a8826" providerId="LiveId" clId="{E651367B-8E57-43F2-B629-B9D3A634995C}" dt="2025-11-07T10:56:04.492" v="8" actId="20577"/>
+          <ac:spMkLst>
+            <pc:docMk/>
+            <pc:sldMk cId="3315754511" sldId="264"/>
+            <ac:spMk id="11" creationId="{734F3402-F1C9-8E1E-E577-1581977F9EF9}"/>
+          </ac:spMkLst>
+        </pc:spChg>
+      </pc:sldChg>
+      <pc:sldChg chg="modSp mod">
+        <pc:chgData name="Benjamin Robert" userId="bdf697ffd98a8826" providerId="LiveId" clId="{E651367B-8E57-43F2-B629-B9D3A634995C}" dt="2025-11-07T10:56:59.059" v="22" actId="33524"/>
+        <pc:sldMkLst>
+          <pc:docMk/>
+          <pc:sldMk cId="541211659" sldId="265"/>
+        </pc:sldMkLst>
+        <pc:spChg chg="mod">
+          <ac:chgData name="Benjamin Robert" userId="bdf697ffd98a8826" providerId="LiveId" clId="{E651367B-8E57-43F2-B629-B9D3A634995C}" dt="2025-11-07T10:56:59.059" v="22" actId="33524"/>
+          <ac:spMkLst>
+            <pc:docMk/>
+            <pc:sldMk cId="541211659" sldId="265"/>
+            <ac:spMk id="7" creationId="{D4AA2446-5520-53A3-D946-C342B598E736}"/>
+          </ac:spMkLst>
+        </pc:spChg>
+      </pc:sldChg>
+      <pc:sldChg chg="modSp mod">
+        <pc:chgData name="Benjamin Robert" userId="bdf697ffd98a8826" providerId="LiveId" clId="{E651367B-8E57-43F2-B629-B9D3A634995C}" dt="2025-11-07T10:57:15.418" v="24" actId="20577"/>
+        <pc:sldMkLst>
+          <pc:docMk/>
+          <pc:sldMk cId="2921444526" sldId="266"/>
+        </pc:sldMkLst>
+        <pc:spChg chg="mod">
+          <ac:chgData name="Benjamin Robert" userId="bdf697ffd98a8826" providerId="LiveId" clId="{E651367B-8E57-43F2-B629-B9D3A634995C}" dt="2025-11-07T10:57:15.418" v="24" actId="20577"/>
+          <ac:spMkLst>
+            <pc:docMk/>
+            <pc:sldMk cId="2921444526" sldId="266"/>
+            <ac:spMk id="6" creationId="{E3B5B8F1-2EDB-AF71-0407-F124EF306678}"/>
+          </ac:spMkLst>
+        </pc:spChg>
+      </pc:sldChg>
+      <pc:sldChg chg="modSp mod">
+        <pc:chgData name="Benjamin Robert" userId="bdf697ffd98a8826" providerId="LiveId" clId="{E651367B-8E57-43F2-B629-B9D3A634995C}" dt="2025-11-07T10:57:54.930" v="38" actId="20577"/>
+        <pc:sldMkLst>
+          <pc:docMk/>
+          <pc:sldMk cId="3306729575" sldId="267"/>
+        </pc:sldMkLst>
+        <pc:spChg chg="mod">
+          <ac:chgData name="Benjamin Robert" userId="bdf697ffd98a8826" providerId="LiveId" clId="{E651367B-8E57-43F2-B629-B9D3A634995C}" dt="2025-11-07T10:57:54.930" v="38" actId="20577"/>
+          <ac:spMkLst>
+            <pc:docMk/>
+            <pc:sldMk cId="3306729575" sldId="267"/>
+            <ac:spMk id="6" creationId="{E3B5B8F1-2EDB-AF71-0407-F124EF306678}"/>
+          </ac:spMkLst>
+        </pc:spChg>
+      </pc:sldChg>
+      <pc:sldChg chg="modSp mod">
+        <pc:chgData name="Benjamin Robert" userId="bdf697ffd98a8826" providerId="LiveId" clId="{E651367B-8E57-43F2-B629-B9D3A634995C}" dt="2025-11-07T10:57:33.594" v="30" actId="20577"/>
+        <pc:sldMkLst>
+          <pc:docMk/>
+          <pc:sldMk cId="2180008669" sldId="268"/>
+        </pc:sldMkLst>
+        <pc:spChg chg="mod">
+          <ac:chgData name="Benjamin Robert" userId="bdf697ffd98a8826" providerId="LiveId" clId="{E651367B-8E57-43F2-B629-B9D3A634995C}" dt="2025-11-07T10:57:33.594" v="30" actId="20577"/>
+          <ac:spMkLst>
+            <pc:docMk/>
+            <pc:sldMk cId="2180008669" sldId="268"/>
+            <ac:spMk id="3" creationId="{C7A004FB-98B0-FB36-222A-1BC4AEE84301}"/>
+          </ac:spMkLst>
+        </pc:spChg>
+      </pc:sldChg>
+      <pc:sldChg chg="modSp mod">
+        <pc:chgData name="Benjamin Robert" userId="bdf697ffd98a8826" providerId="LiveId" clId="{E651367B-8E57-43F2-B629-B9D3A634995C}" dt="2025-11-07T10:57:37.580" v="32" actId="20577"/>
+        <pc:sldMkLst>
+          <pc:docMk/>
+          <pc:sldMk cId="2330191717" sldId="269"/>
+        </pc:sldMkLst>
+        <pc:spChg chg="mod">
+          <ac:chgData name="Benjamin Robert" userId="bdf697ffd98a8826" providerId="LiveId" clId="{E651367B-8E57-43F2-B629-B9D3A634995C}" dt="2025-11-07T10:57:37.580" v="32" actId="20577"/>
+          <ac:spMkLst>
+            <pc:docMk/>
+            <pc:sldMk cId="2330191717" sldId="269"/>
+            <ac:spMk id="6" creationId="{E3B5B8F1-2EDB-AF71-0407-F124EF306678}"/>
+          </ac:spMkLst>
+        </pc:spChg>
+      </pc:sldChg>
+      <pc:sldChg chg="modSp mod">
+        <pc:chgData name="Benjamin Robert" userId="bdf697ffd98a8826" providerId="LiveId" clId="{E651367B-8E57-43F2-B629-B9D3A634995C}" dt="2025-11-07T10:57:43.795" v="34" actId="20577"/>
+        <pc:sldMkLst>
+          <pc:docMk/>
+          <pc:sldMk cId="878652130" sldId="270"/>
+        </pc:sldMkLst>
+        <pc:spChg chg="mod">
+          <ac:chgData name="Benjamin Robert" userId="bdf697ffd98a8826" providerId="LiveId" clId="{E651367B-8E57-43F2-B629-B9D3A634995C}" dt="2025-11-07T10:57:43.795" v="34" actId="20577"/>
+          <ac:spMkLst>
+            <pc:docMk/>
+            <pc:sldMk cId="878652130" sldId="270"/>
+            <ac:spMk id="6" creationId="{E3B5B8F1-2EDB-AF71-0407-F124EF306678}"/>
+          </ac:spMkLst>
+        </pc:spChg>
+      </pc:sldChg>
+      <pc:sldChg chg="modSp mod">
+        <pc:chgData name="Benjamin Robert" userId="bdf697ffd98a8826" providerId="LiveId" clId="{E651367B-8E57-43F2-B629-B9D3A634995C}" dt="2025-11-07T10:57:47.917" v="36" actId="20577"/>
+        <pc:sldMkLst>
+          <pc:docMk/>
+          <pc:sldMk cId="1383641006" sldId="271"/>
+        </pc:sldMkLst>
+        <pc:spChg chg="mod">
+          <ac:chgData name="Benjamin Robert" userId="bdf697ffd98a8826" providerId="LiveId" clId="{E651367B-8E57-43F2-B629-B9D3A634995C}" dt="2025-11-07T10:57:47.917" v="36" actId="20577"/>
+          <ac:spMkLst>
+            <pc:docMk/>
+            <pc:sldMk cId="1383641006" sldId="271"/>
+            <ac:spMk id="6" creationId="{E3B5B8F1-2EDB-AF71-0407-F124EF306678}"/>
+          </ac:spMkLst>
+        </pc:spChg>
+      </pc:sldChg>
+      <pc:sldChg chg="modSp mod">
+        <pc:chgData name="Benjamin Robert" userId="bdf697ffd98a8826" providerId="LiveId" clId="{E651367B-8E57-43F2-B629-B9D3A634995C}" dt="2025-11-07T10:57:28.588" v="28" actId="20577"/>
+        <pc:sldMkLst>
+          <pc:docMk/>
+          <pc:sldMk cId="3431075668" sldId="272"/>
+        </pc:sldMkLst>
+        <pc:spChg chg="mod">
+          <ac:chgData name="Benjamin Robert" userId="bdf697ffd98a8826" providerId="LiveId" clId="{E651367B-8E57-43F2-B629-B9D3A634995C}" dt="2025-11-07T10:57:28.588" v="28" actId="20577"/>
+          <ac:spMkLst>
+            <pc:docMk/>
+            <pc:sldMk cId="3431075668" sldId="272"/>
+            <ac:spMk id="3" creationId="{01994174-18D3-EE79-132A-0F8BFF2E2A46}"/>
+          </ac:spMkLst>
+        </pc:spChg>
+      </pc:sldChg>
+      <pc:sldChg chg="modSp mod">
+        <pc:chgData name="Benjamin Robert" userId="bdf697ffd98a8826" providerId="LiveId" clId="{E651367B-8E57-43F2-B629-B9D3A634995C}" dt="2025-11-07T10:57:24.238" v="26" actId="20577"/>
+        <pc:sldMkLst>
+          <pc:docMk/>
+          <pc:sldMk cId="2345905708" sldId="273"/>
+        </pc:sldMkLst>
+        <pc:spChg chg="mod">
+          <ac:chgData name="Benjamin Robert" userId="bdf697ffd98a8826" providerId="LiveId" clId="{E651367B-8E57-43F2-B629-B9D3A634995C}" dt="2025-11-07T10:57:24.238" v="26" actId="20577"/>
+          <ac:spMkLst>
+            <pc:docMk/>
+            <pc:sldMk cId="2345905708" sldId="273"/>
+            <ac:spMk id="8" creationId="{22BF6912-A971-268F-0F65-2D76B53D911A}"/>
+          </ac:spMkLst>
+        </pc:spChg>
+      </pc:sldChg>
+      <pc:sldChg chg="modSp mod">
+        <pc:chgData name="Benjamin Robert" userId="bdf697ffd98a8826" providerId="LiveId" clId="{E651367B-8E57-43F2-B629-B9D3A634995C}" dt="2025-11-07T10:58:12.293" v="40" actId="20577"/>
+        <pc:sldMkLst>
+          <pc:docMk/>
+          <pc:sldMk cId="390149811" sldId="277"/>
+        </pc:sldMkLst>
+        <pc:spChg chg="mod">
+          <ac:chgData name="Benjamin Robert" userId="bdf697ffd98a8826" providerId="LiveId" clId="{E651367B-8E57-43F2-B629-B9D3A634995C}" dt="2025-11-07T10:58:12.293" v="40" actId="20577"/>
+          <ac:spMkLst>
+            <pc:docMk/>
+            <pc:sldMk cId="390149811" sldId="277"/>
+            <ac:spMk id="2" creationId="{D4CC8308-7470-E3AC-5095-9A62E756F2C2}"/>
+          </ac:spMkLst>
+        </pc:spChg>
+      </pc:sldChg>
       <pc:sldChg chg="modSp mod">
         <pc:chgData name="Benjamin Robert" userId="bdf697ffd98a8826" providerId="LiveId" clId="{E651367B-8E57-43F2-B629-B9D3A634995C}" dt="2025-11-06T17:02:59.446" v="1" actId="20577"/>
         <pc:sldMkLst>
@@ -814,7 +1032,7 @@
           <a:p>
             <a:fld id="{324681DF-B029-4FEC-BAF0-BCA82235DDD4}" type="datetimeFigureOut">
               <a:rPr lang="fr-FR" smtClean="0"/>
-              <a:t>06/11/2025</a:t>
+              <a:t>07/11/2025</a:t>
             </a:fld>
             <a:endParaRPr lang="fr-FR"/>
           </a:p>
@@ -1012,7 +1230,7 @@
           <a:p>
             <a:fld id="{324681DF-B029-4FEC-BAF0-BCA82235DDD4}" type="datetimeFigureOut">
               <a:rPr lang="fr-FR" smtClean="0"/>
-              <a:t>06/11/2025</a:t>
+              <a:t>07/11/2025</a:t>
             </a:fld>
             <a:endParaRPr lang="fr-FR"/>
           </a:p>
@@ -1220,7 +1438,7 @@
           <a:p>
             <a:fld id="{324681DF-B029-4FEC-BAF0-BCA82235DDD4}" type="datetimeFigureOut">
               <a:rPr lang="fr-FR" smtClean="0"/>
-              <a:t>06/11/2025</a:t>
+              <a:t>07/11/2025</a:t>
             </a:fld>
             <a:endParaRPr lang="fr-FR"/>
           </a:p>
@@ -1418,7 +1636,7 @@
           <a:p>
             <a:fld id="{324681DF-B029-4FEC-BAF0-BCA82235DDD4}" type="datetimeFigureOut">
               <a:rPr lang="fr-FR" smtClean="0"/>
-              <a:t>06/11/2025</a:t>
+              <a:t>07/11/2025</a:t>
             </a:fld>
             <a:endParaRPr lang="fr-FR"/>
           </a:p>
@@ -1693,7 +1911,7 @@
           <a:p>
             <a:fld id="{324681DF-B029-4FEC-BAF0-BCA82235DDD4}" type="datetimeFigureOut">
               <a:rPr lang="fr-FR" smtClean="0"/>
-              <a:t>06/11/2025</a:t>
+              <a:t>07/11/2025</a:t>
             </a:fld>
             <a:endParaRPr lang="fr-FR"/>
           </a:p>
@@ -1958,7 +2176,7 @@
           <a:p>
             <a:fld id="{324681DF-B029-4FEC-BAF0-BCA82235DDD4}" type="datetimeFigureOut">
               <a:rPr lang="fr-FR" smtClean="0"/>
-              <a:t>06/11/2025</a:t>
+              <a:t>07/11/2025</a:t>
             </a:fld>
             <a:endParaRPr lang="fr-FR"/>
           </a:p>
@@ -2370,7 +2588,7 @@
           <a:p>
             <a:fld id="{324681DF-B029-4FEC-BAF0-BCA82235DDD4}" type="datetimeFigureOut">
               <a:rPr lang="fr-FR" smtClean="0"/>
-              <a:t>06/11/2025</a:t>
+              <a:t>07/11/2025</a:t>
             </a:fld>
             <a:endParaRPr lang="fr-FR"/>
           </a:p>
@@ -2511,7 +2729,7 @@
           <a:p>
             <a:fld id="{324681DF-B029-4FEC-BAF0-BCA82235DDD4}" type="datetimeFigureOut">
               <a:rPr lang="fr-FR" smtClean="0"/>
-              <a:t>06/11/2025</a:t>
+              <a:t>07/11/2025</a:t>
             </a:fld>
             <a:endParaRPr lang="fr-FR"/>
           </a:p>
@@ -2624,7 +2842,7 @@
           <a:p>
             <a:fld id="{324681DF-B029-4FEC-BAF0-BCA82235DDD4}" type="datetimeFigureOut">
               <a:rPr lang="fr-FR" smtClean="0"/>
-              <a:t>06/11/2025</a:t>
+              <a:t>07/11/2025</a:t>
             </a:fld>
             <a:endParaRPr lang="fr-FR"/>
           </a:p>
@@ -2935,7 +3153,7 @@
           <a:p>
             <a:fld id="{324681DF-B029-4FEC-BAF0-BCA82235DDD4}" type="datetimeFigureOut">
               <a:rPr lang="fr-FR" smtClean="0"/>
-              <a:t>06/11/2025</a:t>
+              <a:t>07/11/2025</a:t>
             </a:fld>
             <a:endParaRPr lang="fr-FR"/>
           </a:p>
@@ -3223,7 +3441,7 @@
           <a:p>
             <a:fld id="{324681DF-B029-4FEC-BAF0-BCA82235DDD4}" type="datetimeFigureOut">
               <a:rPr lang="fr-FR" smtClean="0"/>
-              <a:t>06/11/2025</a:t>
+              <a:t>07/11/2025</a:t>
             </a:fld>
             <a:endParaRPr lang="fr-FR"/>
           </a:p>
@@ -3464,7 +3682,7 @@
           <a:p>
             <a:fld id="{324681DF-B029-4FEC-BAF0-BCA82235DDD4}" type="datetimeFigureOut">
               <a:rPr lang="fr-FR" smtClean="0"/>
-              <a:t>06/11/2025</a:t>
+              <a:t>07/11/2025</a:t>
             </a:fld>
             <a:endParaRPr lang="fr-FR"/>
           </a:p>
@@ -4078,7 +4296,7 @@
             <a:pPr algn="ctr"/>
             <a:r>
               <a:rPr lang="fr-FR" dirty="0"/>
-              <a:t>14/11/2024</a:t>
+              <a:t>12/11/2025</a:t>
             </a:r>
           </a:p>
         </p:txBody>
@@ -8191,7 +8409,7 @@
           <a:p>
             <a:r>
               <a:rPr lang="fr-FR" sz="2400" u="sng" dirty="0"/>
-              <a:t>J’ai oublier mon message lors du commit</a:t>
+              <a:t>J’ai oublié mon message lors du commit</a:t>
             </a:r>
           </a:p>
         </p:txBody>
@@ -8257,7 +8475,7 @@
             </a:pPr>
             <a:r>
               <a:rPr lang="fr-FR" dirty="0"/>
-              <a:t>Créer un dossier «  </a:t>
+              <a:t>Créez un dossier «  </a:t>
             </a:r>
             <a:r>
               <a:rPr lang="fr-FR" dirty="0" err="1"/>
@@ -8299,7 +8517,7 @@
             </a:pPr>
             <a:r>
               <a:rPr lang="fr-FR" dirty="0"/>
-              <a:t>Initier le repo .git</a:t>
+              <a:t>Initiez le repo .git</a:t>
             </a:r>
           </a:p>
           <a:p>
@@ -8312,7 +8530,7 @@
             </a:pPr>
             <a:r>
               <a:rPr lang="fr-FR" dirty="0"/>
-              <a:t>Créer un fichier «  monPremierFichier.txt »</a:t>
+              <a:t>Créez un fichier «  monPremierFichier.txt »</a:t>
             </a:r>
           </a:p>
           <a:p>
@@ -9192,7 +9410,7 @@
           <a:p>
             <a:r>
               <a:rPr lang="fr-FR" sz="2400" u="sng" dirty="0"/>
-              <a:t>J’ai oublier mon message lors du commit</a:t>
+              <a:t>J’ai oublié mon message lors du commit</a:t>
             </a:r>
           </a:p>
         </p:txBody>
@@ -9704,7 +9922,7 @@
           <a:p>
             <a:r>
               <a:rPr lang="fr-FR" sz="2400" u="sng" dirty="0"/>
-              <a:t>J’ai oublier mon message lors du commit</a:t>
+              <a:t>J’ai oublié mon message lors du commit</a:t>
             </a:r>
           </a:p>
         </p:txBody>
@@ -10458,7 +10676,7 @@
             </a:pPr>
             <a:r>
               <a:rPr lang="fr-FR" dirty="0"/>
-              <a:t>Cette branche était une erreur, supprimez la</a:t>
+              <a:t>Cette branche était une erreur, supprimez-la</a:t>
             </a:r>
           </a:p>
           <a:p>
@@ -10492,7 +10710,7 @@
             </a:pPr>
             <a:r>
               <a:rPr lang="fr-FR" dirty="0"/>
-              <a:t>Allez dans cette branche, ajoutez un nouveau fichier, indexez le et </a:t>
+              <a:t>Allez dans cette branche, ajoutez un nouveau fichier, indexez-le et </a:t>
             </a:r>
             <a:r>
               <a:rPr lang="fr-FR" dirty="0" err="1"/>
@@ -10816,7 +11034,7 @@
           <a:p>
             <a:r>
               <a:rPr lang="fr-FR" sz="2400" u="sng" dirty="0"/>
-              <a:t>J’ai fais une modification sur la branche principale</a:t>
+              <a:t>J’ai fait une modification sur la branche principale</a:t>
             </a:r>
           </a:p>
         </p:txBody>
@@ -11576,7 +11794,7 @@
           <a:p>
             <a:r>
               <a:rPr lang="fr-FR" sz="2400" u="sng" dirty="0"/>
-              <a:t>J’ai fais une modification sur la branche principale</a:t>
+              <a:t>J’ai fait une modification sur la branche principale</a:t>
             </a:r>
           </a:p>
         </p:txBody>
@@ -12997,7 +13215,7 @@
           <a:p>
             <a:r>
               <a:rPr lang="fr-FR" sz="2400" u="sng" dirty="0"/>
-              <a:t>J’ai fais une modification sur la branche principale</a:t>
+              <a:t>J’ai fait une modification sur la branche principale</a:t>
             </a:r>
           </a:p>
         </p:txBody>
@@ -13892,7 +14110,7 @@
           <a:p>
             <a:r>
               <a:rPr lang="fr-FR" sz="2400" u="sng" dirty="0"/>
-              <a:t>J’ai fais une modification sur la branche principale</a:t>
+              <a:t>J’ai fait une modification sur la branche principale</a:t>
             </a:r>
           </a:p>
         </p:txBody>
@@ -14169,7 +14387,7 @@
           <a:p>
             <a:r>
               <a:rPr lang="fr-FR" sz="2400" u="sng" dirty="0"/>
-              <a:t>J’ai fais une modification sur la branche principale</a:t>
+              <a:t>J’ai fait une modification sur la branche principale</a:t>
             </a:r>
           </a:p>
         </p:txBody>
@@ -15246,7 +15464,7 @@
           <a:p>
             <a:r>
               <a:rPr lang="fr-FR" sz="2400" u="sng" dirty="0"/>
-              <a:t>J’ai fais une modification sur la branche principale</a:t>
+              <a:t>J’ai fait une modification sur la branche principale</a:t>
             </a:r>
           </a:p>
         </p:txBody>
@@ -16337,7 +16555,7 @@
           <a:p>
             <a:r>
               <a:rPr lang="fr-FR" sz="2400" u="sng" dirty="0"/>
-              <a:t>J’ai fais une modification sur la branche principale</a:t>
+              <a:t>J’ai fait une modification sur la branche principale</a:t>
             </a:r>
           </a:p>
         </p:txBody>
@@ -17233,7 +17451,7 @@
           <a:p>
             <a:r>
               <a:rPr lang="fr-FR" sz="2400" u="sng" dirty="0"/>
-              <a:t>J’ai fais une modification sur la branche principale</a:t>
+              <a:t>J’ai fait une modification sur la branche principale</a:t>
             </a:r>
           </a:p>
         </p:txBody>
@@ -18207,8 +18425,12 @@
           </a:lstStyle>
           <a:p>
             <a:r>
+              <a:rPr lang="fr-FR" sz="2400" u="sng"/>
+              <a:t>J’ai fait </a:t>
+            </a:r>
+            <a:r>
               <a:rPr lang="fr-FR" sz="2400" u="sng" dirty="0"/>
-              <a:t>J’ai fais une modification sur la branche principale</a:t>
+              <a:t>une modification sur la branche principale</a:t>
             </a:r>
           </a:p>
         </p:txBody>

--- a/Cours/BUT3-Cours2.pptx
+++ b/Cours/BUT3-Cours2.pptx
@@ -177,7 +177,7 @@
   <pc:docChgLst>
     <pc:chgData name="Benjamin Robert" userId="bdf697ffd98a8826" providerId="LiveId" clId="{E651367B-8E57-43F2-B629-B9D3A634995C}"/>
     <pc:docChg chg="custSel modSld">
-      <pc:chgData name="Benjamin Robert" userId="bdf697ffd98a8826" providerId="LiveId" clId="{E651367B-8E57-43F2-B629-B9D3A634995C}" dt="2025-11-07T10:58:12.293" v="40" actId="20577"/>
+      <pc:chgData name="Benjamin Robert" userId="bdf697ffd98a8826" providerId="LiveId" clId="{E651367B-8E57-43F2-B629-B9D3A634995C}" dt="2025-11-11T10:13:53.429" v="41" actId="729"/>
       <pc:docMkLst>
         <pc:docMk/>
       </pc:docMkLst>
@@ -413,6 +413,118 @@
             <ac:spMk id="3" creationId="{4492CAFD-055C-71C9-49E6-B601EDC86D9E}"/>
           </ac:spMkLst>
         </pc:spChg>
+      </pc:sldChg>
+      <pc:sldChg chg="mod modShow">
+        <pc:chgData name="Benjamin Robert" userId="bdf697ffd98a8826" providerId="LiveId" clId="{E651367B-8E57-43F2-B629-B9D3A634995C}" dt="2025-11-11T10:13:53.429" v="41" actId="729"/>
+        <pc:sldMkLst>
+          <pc:docMk/>
+          <pc:sldMk cId="44179626" sldId="286"/>
+        </pc:sldMkLst>
+      </pc:sldChg>
+      <pc:sldChg chg="mod modShow">
+        <pc:chgData name="Benjamin Robert" userId="bdf697ffd98a8826" providerId="LiveId" clId="{E651367B-8E57-43F2-B629-B9D3A634995C}" dt="2025-11-11T10:13:53.429" v="41" actId="729"/>
+        <pc:sldMkLst>
+          <pc:docMk/>
+          <pc:sldMk cId="3554028605" sldId="287"/>
+        </pc:sldMkLst>
+      </pc:sldChg>
+      <pc:sldChg chg="mod modShow">
+        <pc:chgData name="Benjamin Robert" userId="bdf697ffd98a8826" providerId="LiveId" clId="{E651367B-8E57-43F2-B629-B9D3A634995C}" dt="2025-11-11T10:13:53.429" v="41" actId="729"/>
+        <pc:sldMkLst>
+          <pc:docMk/>
+          <pc:sldMk cId="1567615400" sldId="288"/>
+        </pc:sldMkLst>
+      </pc:sldChg>
+      <pc:sldChg chg="mod modShow">
+        <pc:chgData name="Benjamin Robert" userId="bdf697ffd98a8826" providerId="LiveId" clId="{E651367B-8E57-43F2-B629-B9D3A634995C}" dt="2025-11-11T10:13:53.429" v="41" actId="729"/>
+        <pc:sldMkLst>
+          <pc:docMk/>
+          <pc:sldMk cId="1310656602" sldId="289"/>
+        </pc:sldMkLst>
+      </pc:sldChg>
+      <pc:sldChg chg="mod modShow">
+        <pc:chgData name="Benjamin Robert" userId="bdf697ffd98a8826" providerId="LiveId" clId="{E651367B-8E57-43F2-B629-B9D3A634995C}" dt="2025-11-11T10:13:53.429" v="41" actId="729"/>
+        <pc:sldMkLst>
+          <pc:docMk/>
+          <pc:sldMk cId="3429787734" sldId="290"/>
+        </pc:sldMkLst>
+      </pc:sldChg>
+      <pc:sldChg chg="mod modShow">
+        <pc:chgData name="Benjamin Robert" userId="bdf697ffd98a8826" providerId="LiveId" clId="{E651367B-8E57-43F2-B629-B9D3A634995C}" dt="2025-11-11T10:13:53.429" v="41" actId="729"/>
+        <pc:sldMkLst>
+          <pc:docMk/>
+          <pc:sldMk cId="1059915770" sldId="291"/>
+        </pc:sldMkLst>
+      </pc:sldChg>
+      <pc:sldChg chg="mod modShow">
+        <pc:chgData name="Benjamin Robert" userId="bdf697ffd98a8826" providerId="LiveId" clId="{E651367B-8E57-43F2-B629-B9D3A634995C}" dt="2025-11-11T10:13:53.429" v="41" actId="729"/>
+        <pc:sldMkLst>
+          <pc:docMk/>
+          <pc:sldMk cId="217961152" sldId="292"/>
+        </pc:sldMkLst>
+      </pc:sldChg>
+      <pc:sldChg chg="mod modShow">
+        <pc:chgData name="Benjamin Robert" userId="bdf697ffd98a8826" providerId="LiveId" clId="{E651367B-8E57-43F2-B629-B9D3A634995C}" dt="2025-11-11T10:13:53.429" v="41" actId="729"/>
+        <pc:sldMkLst>
+          <pc:docMk/>
+          <pc:sldMk cId="312977419" sldId="293"/>
+        </pc:sldMkLst>
+      </pc:sldChg>
+      <pc:sldChg chg="mod modShow">
+        <pc:chgData name="Benjamin Robert" userId="bdf697ffd98a8826" providerId="LiveId" clId="{E651367B-8E57-43F2-B629-B9D3A634995C}" dt="2025-11-11T10:13:53.429" v="41" actId="729"/>
+        <pc:sldMkLst>
+          <pc:docMk/>
+          <pc:sldMk cId="959204435" sldId="294"/>
+        </pc:sldMkLst>
+      </pc:sldChg>
+      <pc:sldChg chg="mod modShow">
+        <pc:chgData name="Benjamin Robert" userId="bdf697ffd98a8826" providerId="LiveId" clId="{E651367B-8E57-43F2-B629-B9D3A634995C}" dt="2025-11-11T10:13:53.429" v="41" actId="729"/>
+        <pc:sldMkLst>
+          <pc:docMk/>
+          <pc:sldMk cId="2733626490" sldId="295"/>
+        </pc:sldMkLst>
+      </pc:sldChg>
+      <pc:sldChg chg="mod modShow">
+        <pc:chgData name="Benjamin Robert" userId="bdf697ffd98a8826" providerId="LiveId" clId="{E651367B-8E57-43F2-B629-B9D3A634995C}" dt="2025-11-11T10:13:53.429" v="41" actId="729"/>
+        <pc:sldMkLst>
+          <pc:docMk/>
+          <pc:sldMk cId="1182391076" sldId="296"/>
+        </pc:sldMkLst>
+      </pc:sldChg>
+      <pc:sldChg chg="mod modShow">
+        <pc:chgData name="Benjamin Robert" userId="bdf697ffd98a8826" providerId="LiveId" clId="{E651367B-8E57-43F2-B629-B9D3A634995C}" dt="2025-11-11T10:13:53.429" v="41" actId="729"/>
+        <pc:sldMkLst>
+          <pc:docMk/>
+          <pc:sldMk cId="32960323" sldId="297"/>
+        </pc:sldMkLst>
+      </pc:sldChg>
+      <pc:sldChg chg="mod modShow">
+        <pc:chgData name="Benjamin Robert" userId="bdf697ffd98a8826" providerId="LiveId" clId="{E651367B-8E57-43F2-B629-B9D3A634995C}" dt="2025-11-11T10:13:53.429" v="41" actId="729"/>
+        <pc:sldMkLst>
+          <pc:docMk/>
+          <pc:sldMk cId="3543290598" sldId="298"/>
+        </pc:sldMkLst>
+      </pc:sldChg>
+      <pc:sldChg chg="mod modShow">
+        <pc:chgData name="Benjamin Robert" userId="bdf697ffd98a8826" providerId="LiveId" clId="{E651367B-8E57-43F2-B629-B9D3A634995C}" dt="2025-11-11T10:13:53.429" v="41" actId="729"/>
+        <pc:sldMkLst>
+          <pc:docMk/>
+          <pc:sldMk cId="1433176206" sldId="299"/>
+        </pc:sldMkLst>
+      </pc:sldChg>
+      <pc:sldChg chg="mod modShow">
+        <pc:chgData name="Benjamin Robert" userId="bdf697ffd98a8826" providerId="LiveId" clId="{E651367B-8E57-43F2-B629-B9D3A634995C}" dt="2025-11-11T10:13:53.429" v="41" actId="729"/>
+        <pc:sldMkLst>
+          <pc:docMk/>
+          <pc:sldMk cId="1800072261" sldId="300"/>
+        </pc:sldMkLst>
+      </pc:sldChg>
+      <pc:sldChg chg="mod modShow">
+        <pc:chgData name="Benjamin Robert" userId="bdf697ffd98a8826" providerId="LiveId" clId="{E651367B-8E57-43F2-B629-B9D3A634995C}" dt="2025-11-11T10:13:53.429" v="41" actId="729"/>
+        <pc:sldMkLst>
+          <pc:docMk/>
+          <pc:sldMk cId="3727260870" sldId="301"/>
+        </pc:sldMkLst>
       </pc:sldChg>
     </pc:docChg>
   </pc:docChgLst>
@@ -1032,7 +1144,7 @@
           <a:p>
             <a:fld id="{324681DF-B029-4FEC-BAF0-BCA82235DDD4}" type="datetimeFigureOut">
               <a:rPr lang="fr-FR" smtClean="0"/>
-              <a:t>07/11/2025</a:t>
+              <a:t>11/11/2025</a:t>
             </a:fld>
             <a:endParaRPr lang="fr-FR"/>
           </a:p>
@@ -1230,7 +1342,7 @@
           <a:p>
             <a:fld id="{324681DF-B029-4FEC-BAF0-BCA82235DDD4}" type="datetimeFigureOut">
               <a:rPr lang="fr-FR" smtClean="0"/>
-              <a:t>07/11/2025</a:t>
+              <a:t>11/11/2025</a:t>
             </a:fld>
             <a:endParaRPr lang="fr-FR"/>
           </a:p>
@@ -1438,7 +1550,7 @@
           <a:p>
             <a:fld id="{324681DF-B029-4FEC-BAF0-BCA82235DDD4}" type="datetimeFigureOut">
               <a:rPr lang="fr-FR" smtClean="0"/>
-              <a:t>07/11/2025</a:t>
+              <a:t>11/11/2025</a:t>
             </a:fld>
             <a:endParaRPr lang="fr-FR"/>
           </a:p>
@@ -1636,7 +1748,7 @@
           <a:p>
             <a:fld id="{324681DF-B029-4FEC-BAF0-BCA82235DDD4}" type="datetimeFigureOut">
               <a:rPr lang="fr-FR" smtClean="0"/>
-              <a:t>07/11/2025</a:t>
+              <a:t>11/11/2025</a:t>
             </a:fld>
             <a:endParaRPr lang="fr-FR"/>
           </a:p>
@@ -1911,7 +2023,7 @@
           <a:p>
             <a:fld id="{324681DF-B029-4FEC-BAF0-BCA82235DDD4}" type="datetimeFigureOut">
               <a:rPr lang="fr-FR" smtClean="0"/>
-              <a:t>07/11/2025</a:t>
+              <a:t>11/11/2025</a:t>
             </a:fld>
             <a:endParaRPr lang="fr-FR"/>
           </a:p>
@@ -2176,7 +2288,7 @@
           <a:p>
             <a:fld id="{324681DF-B029-4FEC-BAF0-BCA82235DDD4}" type="datetimeFigureOut">
               <a:rPr lang="fr-FR" smtClean="0"/>
-              <a:t>07/11/2025</a:t>
+              <a:t>11/11/2025</a:t>
             </a:fld>
             <a:endParaRPr lang="fr-FR"/>
           </a:p>
@@ -2588,7 +2700,7 @@
           <a:p>
             <a:fld id="{324681DF-B029-4FEC-BAF0-BCA82235DDD4}" type="datetimeFigureOut">
               <a:rPr lang="fr-FR" smtClean="0"/>
-              <a:t>07/11/2025</a:t>
+              <a:t>11/11/2025</a:t>
             </a:fld>
             <a:endParaRPr lang="fr-FR"/>
           </a:p>
@@ -2729,7 +2841,7 @@
           <a:p>
             <a:fld id="{324681DF-B029-4FEC-BAF0-BCA82235DDD4}" type="datetimeFigureOut">
               <a:rPr lang="fr-FR" smtClean="0"/>
-              <a:t>07/11/2025</a:t>
+              <a:t>11/11/2025</a:t>
             </a:fld>
             <a:endParaRPr lang="fr-FR"/>
           </a:p>
@@ -2842,7 +2954,7 @@
           <a:p>
             <a:fld id="{324681DF-B029-4FEC-BAF0-BCA82235DDD4}" type="datetimeFigureOut">
               <a:rPr lang="fr-FR" smtClean="0"/>
-              <a:t>07/11/2025</a:t>
+              <a:t>11/11/2025</a:t>
             </a:fld>
             <a:endParaRPr lang="fr-FR"/>
           </a:p>
@@ -3153,7 +3265,7 @@
           <a:p>
             <a:fld id="{324681DF-B029-4FEC-BAF0-BCA82235DDD4}" type="datetimeFigureOut">
               <a:rPr lang="fr-FR" smtClean="0"/>
-              <a:t>07/11/2025</a:t>
+              <a:t>11/11/2025</a:t>
             </a:fld>
             <a:endParaRPr lang="fr-FR"/>
           </a:p>
@@ -3441,7 +3553,7 @@
           <a:p>
             <a:fld id="{324681DF-B029-4FEC-BAF0-BCA82235DDD4}" type="datetimeFigureOut">
               <a:rPr lang="fr-FR" smtClean="0"/>
-              <a:t>07/11/2025</a:t>
+              <a:t>11/11/2025</a:t>
             </a:fld>
             <a:endParaRPr lang="fr-FR"/>
           </a:p>
@@ -3682,7 +3794,7 @@
           <a:p>
             <a:fld id="{324681DF-B029-4FEC-BAF0-BCA82235DDD4}" type="datetimeFigureOut">
               <a:rPr lang="fr-FR" smtClean="0"/>
-              <a:t>07/11/2025</a:t>
+              <a:t>11/11/2025</a:t>
             </a:fld>
             <a:endParaRPr lang="fr-FR"/>
           </a:p>
@@ -4393,7 +4505,7 @@
 </file>
 
 <file path=ppt/slides/slide10.xml><?xml version="1.0" encoding="utf-8"?>
-<p:sld xmlns:a="http://schemas.openxmlformats.org/drawingml/2006/main" xmlns:r="http://schemas.openxmlformats.org/officeDocument/2006/relationships" xmlns:p="http://schemas.openxmlformats.org/presentationml/2006/main">
+<p:sld xmlns:a="http://schemas.openxmlformats.org/drawingml/2006/main" xmlns:r="http://schemas.openxmlformats.org/officeDocument/2006/relationships" xmlns:p="http://schemas.openxmlformats.org/presentationml/2006/main" show="0">
   <p:cSld>
     <p:spTree>
       <p:nvGrpSpPr>
@@ -4667,7 +4779,7 @@
 </file>
 
 <file path=ppt/slides/slide11.xml><?xml version="1.0" encoding="utf-8"?>
-<p:sld xmlns:a="http://schemas.openxmlformats.org/drawingml/2006/main" xmlns:r="http://schemas.openxmlformats.org/officeDocument/2006/relationships" xmlns:p="http://schemas.openxmlformats.org/presentationml/2006/main">
+<p:sld xmlns:a="http://schemas.openxmlformats.org/drawingml/2006/main" xmlns:r="http://schemas.openxmlformats.org/officeDocument/2006/relationships" xmlns:p="http://schemas.openxmlformats.org/presentationml/2006/main" show="0">
   <p:cSld>
     <p:spTree>
       <p:nvGrpSpPr>
@@ -4941,7 +5053,7 @@
 </file>
 
 <file path=ppt/slides/slide12.xml><?xml version="1.0" encoding="utf-8"?>
-<p:sld xmlns:a="http://schemas.openxmlformats.org/drawingml/2006/main" xmlns:r="http://schemas.openxmlformats.org/officeDocument/2006/relationships" xmlns:p="http://schemas.openxmlformats.org/presentationml/2006/main">
+<p:sld xmlns:a="http://schemas.openxmlformats.org/drawingml/2006/main" xmlns:r="http://schemas.openxmlformats.org/officeDocument/2006/relationships" xmlns:p="http://schemas.openxmlformats.org/presentationml/2006/main" show="0">
   <p:cSld>
     <p:spTree>
       <p:nvGrpSpPr>
@@ -5248,7 +5360,7 @@
 </file>
 
 <file path=ppt/slides/slide13.xml><?xml version="1.0" encoding="utf-8"?>
-<p:sld xmlns:a="http://schemas.openxmlformats.org/drawingml/2006/main" xmlns:r="http://schemas.openxmlformats.org/officeDocument/2006/relationships" xmlns:p="http://schemas.openxmlformats.org/presentationml/2006/main">
+<p:sld xmlns:a="http://schemas.openxmlformats.org/drawingml/2006/main" xmlns:r="http://schemas.openxmlformats.org/officeDocument/2006/relationships" xmlns:p="http://schemas.openxmlformats.org/presentationml/2006/main" show="0">
   <p:cSld>
     <p:spTree>
       <p:nvGrpSpPr>
@@ -5555,7 +5667,7 @@
 </file>
 
 <file path=ppt/slides/slide14.xml><?xml version="1.0" encoding="utf-8"?>
-<p:sld xmlns:a="http://schemas.openxmlformats.org/drawingml/2006/main" xmlns:r="http://schemas.openxmlformats.org/officeDocument/2006/relationships" xmlns:p="http://schemas.openxmlformats.org/presentationml/2006/main">
+<p:sld xmlns:a="http://schemas.openxmlformats.org/drawingml/2006/main" xmlns:r="http://schemas.openxmlformats.org/officeDocument/2006/relationships" xmlns:p="http://schemas.openxmlformats.org/presentationml/2006/main" show="0">
   <p:cSld>
     <p:spTree>
       <p:nvGrpSpPr>
@@ -5831,7 +5943,7 @@
 </file>
 
 <file path=ppt/slides/slide15.xml><?xml version="1.0" encoding="utf-8"?>
-<p:sld xmlns:a="http://schemas.openxmlformats.org/drawingml/2006/main" xmlns:r="http://schemas.openxmlformats.org/officeDocument/2006/relationships" xmlns:p="http://schemas.openxmlformats.org/presentationml/2006/main">
+<p:sld xmlns:a="http://schemas.openxmlformats.org/drawingml/2006/main" xmlns:r="http://schemas.openxmlformats.org/officeDocument/2006/relationships" xmlns:p="http://schemas.openxmlformats.org/presentationml/2006/main" show="0">
   <p:cSld>
     <p:spTree>
       <p:nvGrpSpPr>
@@ -6107,7 +6219,7 @@
 </file>
 
 <file path=ppt/slides/slide16.xml><?xml version="1.0" encoding="utf-8"?>
-<p:sld xmlns:a="http://schemas.openxmlformats.org/drawingml/2006/main" xmlns:r="http://schemas.openxmlformats.org/officeDocument/2006/relationships" xmlns:p="http://schemas.openxmlformats.org/presentationml/2006/main">
+<p:sld xmlns:a="http://schemas.openxmlformats.org/drawingml/2006/main" xmlns:r="http://schemas.openxmlformats.org/officeDocument/2006/relationships" xmlns:p="http://schemas.openxmlformats.org/presentationml/2006/main" show="0">
   <p:cSld>
     <p:spTree>
       <p:nvGrpSpPr>
@@ -6438,7 +6550,7 @@
 </file>
 
 <file path=ppt/slides/slide17.xml><?xml version="1.0" encoding="utf-8"?>
-<p:sld xmlns:a="http://schemas.openxmlformats.org/drawingml/2006/main" xmlns:r="http://schemas.openxmlformats.org/officeDocument/2006/relationships" xmlns:p="http://schemas.openxmlformats.org/presentationml/2006/main">
+<p:sld xmlns:a="http://schemas.openxmlformats.org/drawingml/2006/main" xmlns:r="http://schemas.openxmlformats.org/officeDocument/2006/relationships" xmlns:p="http://schemas.openxmlformats.org/presentationml/2006/main" show="0">
   <p:cSld>
     <p:spTree>
       <p:nvGrpSpPr>
@@ -7826,7 +7938,7 @@
 </file>
 
 <file path=ppt/slides/slide2.xml><?xml version="1.0" encoding="utf-8"?>
-<p:sld xmlns:a="http://schemas.openxmlformats.org/drawingml/2006/main" xmlns:r="http://schemas.openxmlformats.org/officeDocument/2006/relationships" xmlns:p="http://schemas.openxmlformats.org/presentationml/2006/main">
+<p:sld xmlns:a="http://schemas.openxmlformats.org/drawingml/2006/main" xmlns:r="http://schemas.openxmlformats.org/officeDocument/2006/relationships" xmlns:p="http://schemas.openxmlformats.org/presentationml/2006/main" show="0">
   <p:cSld>
     <p:spTree>
       <p:nvGrpSpPr>
@@ -11959,7 +12071,7 @@
 </file>
 
 <file path=ppt/slides/slide3.xml><?xml version="1.0" encoding="utf-8"?>
-<p:sld xmlns:a="http://schemas.openxmlformats.org/drawingml/2006/main" xmlns:r="http://schemas.openxmlformats.org/officeDocument/2006/relationships" xmlns:p="http://schemas.openxmlformats.org/presentationml/2006/main">
+<p:sld xmlns:a="http://schemas.openxmlformats.org/drawingml/2006/main" xmlns:r="http://schemas.openxmlformats.org/officeDocument/2006/relationships" xmlns:p="http://schemas.openxmlformats.org/presentationml/2006/main" show="0">
   <p:cSld>
     <p:spTree>
       <p:nvGrpSpPr>
@@ -19594,7 +19706,7 @@
 </file>
 
 <file path=ppt/slides/slide4.xml><?xml version="1.0" encoding="utf-8"?>
-<p:sld xmlns:a="http://schemas.openxmlformats.org/drawingml/2006/main" xmlns:r="http://schemas.openxmlformats.org/officeDocument/2006/relationships" xmlns:p="http://schemas.openxmlformats.org/presentationml/2006/main">
+<p:sld xmlns:a="http://schemas.openxmlformats.org/drawingml/2006/main" xmlns:r="http://schemas.openxmlformats.org/officeDocument/2006/relationships" xmlns:p="http://schemas.openxmlformats.org/presentationml/2006/main" show="0">
   <p:cSld>
     <p:spTree>
       <p:nvGrpSpPr>
@@ -22806,7 +22918,7 @@
 </file>
 
 <file path=ppt/slides/slide5.xml><?xml version="1.0" encoding="utf-8"?>
-<p:sld xmlns:a="http://schemas.openxmlformats.org/drawingml/2006/main" xmlns:r="http://schemas.openxmlformats.org/officeDocument/2006/relationships" xmlns:p="http://schemas.openxmlformats.org/presentationml/2006/main">
+<p:sld xmlns:a="http://schemas.openxmlformats.org/drawingml/2006/main" xmlns:r="http://schemas.openxmlformats.org/officeDocument/2006/relationships" xmlns:p="http://schemas.openxmlformats.org/presentationml/2006/main" show="0">
   <p:cSld>
     <p:spTree>
       <p:nvGrpSpPr>
@@ -26772,7 +26884,7 @@
 </file>
 
 <file path=ppt/slides/slide6.xml><?xml version="1.0" encoding="utf-8"?>
-<p:sld xmlns:a="http://schemas.openxmlformats.org/drawingml/2006/main" xmlns:r="http://schemas.openxmlformats.org/officeDocument/2006/relationships" xmlns:p="http://schemas.openxmlformats.org/presentationml/2006/main">
+<p:sld xmlns:a="http://schemas.openxmlformats.org/drawingml/2006/main" xmlns:r="http://schemas.openxmlformats.org/officeDocument/2006/relationships" xmlns:p="http://schemas.openxmlformats.org/presentationml/2006/main" show="0">
   <p:cSld>
     <p:spTree>
       <p:nvGrpSpPr>
@@ -27460,7 +27572,7 @@
 </file>
 
 <file path=ppt/slides/slide7.xml><?xml version="1.0" encoding="utf-8"?>
-<p:sld xmlns:a="http://schemas.openxmlformats.org/drawingml/2006/main" xmlns:r="http://schemas.openxmlformats.org/officeDocument/2006/relationships" xmlns:p="http://schemas.openxmlformats.org/presentationml/2006/main">
+<p:sld xmlns:a="http://schemas.openxmlformats.org/drawingml/2006/main" xmlns:r="http://schemas.openxmlformats.org/officeDocument/2006/relationships" xmlns:p="http://schemas.openxmlformats.org/presentationml/2006/main" show="0">
   <p:cSld>
     <p:spTree>
       <p:nvGrpSpPr>
@@ -27715,7 +27827,7 @@
 </file>
 
 <file path=ppt/slides/slide8.xml><?xml version="1.0" encoding="utf-8"?>
-<p:sld xmlns:a="http://schemas.openxmlformats.org/drawingml/2006/main" xmlns:r="http://schemas.openxmlformats.org/officeDocument/2006/relationships" xmlns:p="http://schemas.openxmlformats.org/presentationml/2006/main">
+<p:sld xmlns:a="http://schemas.openxmlformats.org/drawingml/2006/main" xmlns:r="http://schemas.openxmlformats.org/officeDocument/2006/relationships" xmlns:p="http://schemas.openxmlformats.org/presentationml/2006/main" show="0">
   <p:cSld>
     <p:spTree>
       <p:nvGrpSpPr>
@@ -27994,7 +28106,7 @@
 </file>
 
 <file path=ppt/slides/slide9.xml><?xml version="1.0" encoding="utf-8"?>
-<p:sld xmlns:a="http://schemas.openxmlformats.org/drawingml/2006/main" xmlns:r="http://schemas.openxmlformats.org/officeDocument/2006/relationships" xmlns:p="http://schemas.openxmlformats.org/presentationml/2006/main">
+<p:sld xmlns:a="http://schemas.openxmlformats.org/drawingml/2006/main" xmlns:r="http://schemas.openxmlformats.org/officeDocument/2006/relationships" xmlns:p="http://schemas.openxmlformats.org/presentationml/2006/main" show="0">
   <p:cSld>
     <p:spTree>
       <p:nvGrpSpPr>
